--- a/article/resource/hc.pptx
+++ b/article/resource/hc.pptx
@@ -6,23 +6,19 @@
   </p:sldMasterIdLst>
   <p:sldIdLst>
     <p:sldId id="257" r:id="rId2"/>
-    <p:sldId id="270" r:id="rId3"/>
-    <p:sldId id="273" r:id="rId4"/>
-    <p:sldId id="271" r:id="rId5"/>
-    <p:sldId id="272" r:id="rId6"/>
-    <p:sldId id="256" r:id="rId7"/>
-    <p:sldId id="258" r:id="rId8"/>
-    <p:sldId id="259" r:id="rId9"/>
-    <p:sldId id="260" r:id="rId10"/>
-    <p:sldId id="261" r:id="rId11"/>
-    <p:sldId id="269" r:id="rId12"/>
-    <p:sldId id="262" r:id="rId13"/>
-    <p:sldId id="267" r:id="rId14"/>
-    <p:sldId id="263" r:id="rId15"/>
-    <p:sldId id="265" r:id="rId16"/>
-    <p:sldId id="264" r:id="rId17"/>
-    <p:sldId id="266" r:id="rId18"/>
-    <p:sldId id="268" r:id="rId19"/>
+    <p:sldId id="274" r:id="rId3"/>
+    <p:sldId id="256" r:id="rId4"/>
+    <p:sldId id="270" r:id="rId5"/>
+    <p:sldId id="273" r:id="rId6"/>
+    <p:sldId id="259" r:id="rId7"/>
+    <p:sldId id="260" r:id="rId8"/>
+    <p:sldId id="261" r:id="rId9"/>
+    <p:sldId id="269" r:id="rId10"/>
+    <p:sldId id="262" r:id="rId11"/>
+    <p:sldId id="267" r:id="rId12"/>
+    <p:sldId id="263" r:id="rId13"/>
+    <p:sldId id="265" r:id="rId14"/>
+    <p:sldId id="268" r:id="rId15"/>
   </p:sldIdLst>
   <p:sldSz cx="12192000" cy="6858000"/>
   <p:notesSz cx="6858000" cy="9144000"/>
@@ -269,7 +265,7 @@
           <a:p>
             <a:fld id="{41635E24-1D81-43C6-A33F-0FC55214D91A}" type="datetimeFigureOut">
               <a:rPr lang="en-US" smtClean="0"/>
-              <a:t>4/16/2023</a:t>
+              <a:t>7/7/2023</a:t>
             </a:fld>
             <a:endParaRPr lang="en-US"/>
           </a:p>
@@ -437,7 +433,7 @@
           <a:p>
             <a:fld id="{41635E24-1D81-43C6-A33F-0FC55214D91A}" type="datetimeFigureOut">
               <a:rPr lang="en-US" smtClean="0"/>
-              <a:t>4/16/2023</a:t>
+              <a:t>7/7/2023</a:t>
             </a:fld>
             <a:endParaRPr lang="en-US"/>
           </a:p>
@@ -615,7 +611,7 @@
           <a:p>
             <a:fld id="{41635E24-1D81-43C6-A33F-0FC55214D91A}" type="datetimeFigureOut">
               <a:rPr lang="en-US" smtClean="0"/>
-              <a:t>4/16/2023</a:t>
+              <a:t>7/7/2023</a:t>
             </a:fld>
             <a:endParaRPr lang="en-US"/>
           </a:p>
@@ -783,7 +779,7 @@
           <a:p>
             <a:fld id="{41635E24-1D81-43C6-A33F-0FC55214D91A}" type="datetimeFigureOut">
               <a:rPr lang="en-US" smtClean="0"/>
-              <a:t>4/16/2023</a:t>
+              <a:t>7/7/2023</a:t>
             </a:fld>
             <a:endParaRPr lang="en-US"/>
           </a:p>
@@ -1028,7 +1024,7 @@
           <a:p>
             <a:fld id="{41635E24-1D81-43C6-A33F-0FC55214D91A}" type="datetimeFigureOut">
               <a:rPr lang="en-US" smtClean="0"/>
-              <a:t>4/16/2023</a:t>
+              <a:t>7/7/2023</a:t>
             </a:fld>
             <a:endParaRPr lang="en-US"/>
           </a:p>
@@ -1257,7 +1253,7 @@
           <a:p>
             <a:fld id="{41635E24-1D81-43C6-A33F-0FC55214D91A}" type="datetimeFigureOut">
               <a:rPr lang="en-US" smtClean="0"/>
-              <a:t>4/16/2023</a:t>
+              <a:t>7/7/2023</a:t>
             </a:fld>
             <a:endParaRPr lang="en-US"/>
           </a:p>
@@ -1621,7 +1617,7 @@
           <a:p>
             <a:fld id="{41635E24-1D81-43C6-A33F-0FC55214D91A}" type="datetimeFigureOut">
               <a:rPr lang="en-US" smtClean="0"/>
-              <a:t>4/16/2023</a:t>
+              <a:t>7/7/2023</a:t>
             </a:fld>
             <a:endParaRPr lang="en-US"/>
           </a:p>
@@ -1738,7 +1734,7 @@
           <a:p>
             <a:fld id="{41635E24-1D81-43C6-A33F-0FC55214D91A}" type="datetimeFigureOut">
               <a:rPr lang="en-US" smtClean="0"/>
-              <a:t>4/16/2023</a:t>
+              <a:t>7/7/2023</a:t>
             </a:fld>
             <a:endParaRPr lang="en-US"/>
           </a:p>
@@ -1833,7 +1829,7 @@
           <a:p>
             <a:fld id="{41635E24-1D81-43C6-A33F-0FC55214D91A}" type="datetimeFigureOut">
               <a:rPr lang="en-US" smtClean="0"/>
-              <a:t>4/16/2023</a:t>
+              <a:t>7/7/2023</a:t>
             </a:fld>
             <a:endParaRPr lang="en-US"/>
           </a:p>
@@ -2108,7 +2104,7 @@
           <a:p>
             <a:fld id="{41635E24-1D81-43C6-A33F-0FC55214D91A}" type="datetimeFigureOut">
               <a:rPr lang="en-US" smtClean="0"/>
-              <a:t>4/16/2023</a:t>
+              <a:t>7/7/2023</a:t>
             </a:fld>
             <a:endParaRPr lang="en-US"/>
           </a:p>
@@ -2360,7 +2356,7 @@
           <a:p>
             <a:fld id="{41635E24-1D81-43C6-A33F-0FC55214D91A}" type="datetimeFigureOut">
               <a:rPr lang="en-US" smtClean="0"/>
-              <a:t>4/16/2023</a:t>
+              <a:t>7/7/2023</a:t>
             </a:fld>
             <a:endParaRPr lang="en-US"/>
           </a:p>
@@ -2571,7 +2567,7 @@
           <a:p>
             <a:fld id="{41635E24-1D81-43C6-A33F-0FC55214D91A}" type="datetimeFigureOut">
               <a:rPr lang="en-US" smtClean="0"/>
-              <a:t>4/16/2023</a:t>
+              <a:t>7/7/2023</a:t>
             </a:fld>
             <a:endParaRPr lang="en-US"/>
           </a:p>
@@ -3134,7 +3130,7 @@
       </p:grpSpPr>
       <p:pic>
         <p:nvPicPr>
-          <p:cNvPr id="5" name="Picture 4"/>
+          <p:cNvPr id="4" name="Picture 3"/>
           <p:cNvPicPr>
             <a:picLocks noChangeAspect="1"/>
           </p:cNvPicPr>
@@ -3154,8 +3150,8 @@
         </p:blipFill>
         <p:spPr>
           <a:xfrm>
-            <a:off x="0" y="-16992"/>
-            <a:ext cx="12192000" cy="6858000"/>
+            <a:off x="0" y="-7166"/>
+            <a:ext cx="12192000" cy="6874593"/>
           </a:xfrm>
           <a:prstGeom prst="rect">
             <a:avLst/>
@@ -3164,29 +3160,26 @@
       </p:pic>
       <p:sp>
         <p:nvSpPr>
-          <p:cNvPr id="7" name="Content Placeholder 2"/>
-          <p:cNvSpPr>
-            <a:spLocks noGrp="1"/>
-          </p:cNvSpPr>
-          <p:nvPr>
-            <p:ph idx="1"/>
-          </p:nvPr>
-        </p:nvSpPr>
-        <p:spPr>
-          <a:xfrm>
-            <a:off x="4150894" y="474334"/>
-            <a:ext cx="3781353" cy="772051"/>
-          </a:xfrm>
-        </p:spPr>
-        <p:txBody>
-          <a:bodyPr>
-            <a:noAutofit/>
+          <p:cNvPr id="8" name="Rectangle 7"/>
+          <p:cNvSpPr/>
+          <p:nvPr/>
+        </p:nvSpPr>
+        <p:spPr>
+          <a:xfrm>
+            <a:off x="2368407" y="2625226"/>
+            <a:ext cx="8619958" cy="707886"/>
+          </a:xfrm>
+          <a:prstGeom prst="rect">
+            <a:avLst/>
+          </a:prstGeom>
+        </p:spPr>
+        <p:txBody>
+          <a:bodyPr wrap="square">
+            <a:spAutoFit/>
           </a:bodyPr>
           <a:lstStyle/>
           <a:p>
-            <a:pPr marL="0" indent="0" algn="just">
-              <a:buNone/>
-            </a:pPr>
+            <a:pPr algn="ctr"/>
             <a:r>
               <a:rPr lang="en-US" sz="4000" b="1" cap="none" spc="0" dirty="0">
                 <a:ln w="12700">
@@ -3216,206 +3209,21 @@
                   </a:outerShdw>
                 </a:effectLst>
               </a:rPr>
-              <a:t>Event Sourcing</a:t>
-            </a:r>
-            <a:endParaRPr lang="en-US" sz="4000" dirty="0"/>
+              <a:t>Functional Programming</a:t>
+            </a:r>
           </a:p>
         </p:txBody>
       </p:sp>
       <p:pic>
         <p:nvPicPr>
-          <p:cNvPr id="2" name="Picture 1"/>
-          <p:cNvPicPr>
-            <a:picLocks noChangeAspect="1"/>
-          </p:cNvPicPr>
-          <p:nvPr/>
-        </p:nvPicPr>
-        <p:blipFill>
-          <a:blip r:embed="rId3"/>
-          <a:stretch>
-            <a:fillRect/>
-          </a:stretch>
-        </p:blipFill>
-        <p:spPr>
-          <a:xfrm>
-            <a:off x="2194968" y="3700756"/>
-            <a:ext cx="7375775" cy="1599914"/>
-          </a:xfrm>
-          <a:prstGeom prst="rect">
-            <a:avLst/>
-          </a:prstGeom>
-        </p:spPr>
-      </p:pic>
-      <p:sp>
-        <p:nvSpPr>
-          <p:cNvPr id="6" name="TextBox 2"/>
-          <p:cNvSpPr txBox="1"/>
-          <p:nvPr/>
-        </p:nvSpPr>
-        <p:spPr>
-          <a:xfrm>
-            <a:off x="1942193" y="1150007"/>
-            <a:ext cx="6565900" cy="1477328"/>
-          </a:xfrm>
-          <a:prstGeom prst="rect">
-            <a:avLst/>
-          </a:prstGeom>
-          <a:noFill/>
-        </p:spPr>
-        <p:txBody>
-          <a:bodyPr wrap="square" rtlCol="0">
-            <a:spAutoFit/>
-          </a:bodyPr>
-          <a:lstStyle>
-            <a:defPPr>
-              <a:defRPr lang="en-US"/>
-            </a:defPPr>
-            <a:lvl1pPr marL="0" algn="l" defTabSz="914400" rtl="0" eaLnBrk="1" latinLnBrk="0" hangingPunct="1">
-              <a:defRPr sz="1800" kern="1200">
-                <a:solidFill>
-                  <a:schemeClr val="tx1"/>
-                </a:solidFill>
-                <a:latin typeface="+mn-lt"/>
-                <a:ea typeface="+mn-ea"/>
-                <a:cs typeface="+mn-cs"/>
-              </a:defRPr>
-            </a:lvl1pPr>
-            <a:lvl2pPr marL="457200" algn="l" defTabSz="914400" rtl="0" eaLnBrk="1" latinLnBrk="0" hangingPunct="1">
-              <a:defRPr sz="1800" kern="1200">
-                <a:solidFill>
-                  <a:schemeClr val="tx1"/>
-                </a:solidFill>
-                <a:latin typeface="+mn-lt"/>
-                <a:ea typeface="+mn-ea"/>
-                <a:cs typeface="+mn-cs"/>
-              </a:defRPr>
-            </a:lvl2pPr>
-            <a:lvl3pPr marL="914400" algn="l" defTabSz="914400" rtl="0" eaLnBrk="1" latinLnBrk="0" hangingPunct="1">
-              <a:defRPr sz="1800" kern="1200">
-                <a:solidFill>
-                  <a:schemeClr val="tx1"/>
-                </a:solidFill>
-                <a:latin typeface="+mn-lt"/>
-                <a:ea typeface="+mn-ea"/>
-                <a:cs typeface="+mn-cs"/>
-              </a:defRPr>
-            </a:lvl3pPr>
-            <a:lvl4pPr marL="1371600" algn="l" defTabSz="914400" rtl="0" eaLnBrk="1" latinLnBrk="0" hangingPunct="1">
-              <a:defRPr sz="1800" kern="1200">
-                <a:solidFill>
-                  <a:schemeClr val="tx1"/>
-                </a:solidFill>
-                <a:latin typeface="+mn-lt"/>
-                <a:ea typeface="+mn-ea"/>
-                <a:cs typeface="+mn-cs"/>
-              </a:defRPr>
-            </a:lvl4pPr>
-            <a:lvl5pPr marL="1828800" algn="l" defTabSz="914400" rtl="0" eaLnBrk="1" latinLnBrk="0" hangingPunct="1">
-              <a:defRPr sz="1800" kern="1200">
-                <a:solidFill>
-                  <a:schemeClr val="tx1"/>
-                </a:solidFill>
-                <a:latin typeface="+mn-lt"/>
-                <a:ea typeface="+mn-ea"/>
-                <a:cs typeface="+mn-cs"/>
-              </a:defRPr>
-            </a:lvl5pPr>
-            <a:lvl6pPr marL="2286000" algn="l" defTabSz="914400" rtl="0" eaLnBrk="1" latinLnBrk="0" hangingPunct="1">
-              <a:defRPr sz="1800" kern="1200">
-                <a:solidFill>
-                  <a:schemeClr val="tx1"/>
-                </a:solidFill>
-                <a:latin typeface="+mn-lt"/>
-                <a:ea typeface="+mn-ea"/>
-                <a:cs typeface="+mn-cs"/>
-              </a:defRPr>
-            </a:lvl6pPr>
-            <a:lvl7pPr marL="2743200" algn="l" defTabSz="914400" rtl="0" eaLnBrk="1" latinLnBrk="0" hangingPunct="1">
-              <a:defRPr sz="1800" kern="1200">
-                <a:solidFill>
-                  <a:schemeClr val="tx1"/>
-                </a:solidFill>
-                <a:latin typeface="+mn-lt"/>
-                <a:ea typeface="+mn-ea"/>
-                <a:cs typeface="+mn-cs"/>
-              </a:defRPr>
-            </a:lvl7pPr>
-            <a:lvl8pPr marL="3200400" algn="l" defTabSz="914400" rtl="0" eaLnBrk="1" latinLnBrk="0" hangingPunct="1">
-              <a:defRPr sz="1800" kern="1200">
-                <a:solidFill>
-                  <a:schemeClr val="tx1"/>
-                </a:solidFill>
-                <a:latin typeface="+mn-lt"/>
-                <a:ea typeface="+mn-ea"/>
-                <a:cs typeface="+mn-cs"/>
-              </a:defRPr>
-            </a:lvl8pPr>
-            <a:lvl9pPr marL="3657600" algn="l" defTabSz="914400" rtl="0" eaLnBrk="1" latinLnBrk="0" hangingPunct="1">
-              <a:defRPr sz="1800" kern="1200">
-                <a:solidFill>
-                  <a:schemeClr val="tx1"/>
-                </a:solidFill>
-                <a:latin typeface="+mn-lt"/>
-                <a:ea typeface="+mn-ea"/>
-                <a:cs typeface="+mn-cs"/>
-              </a:defRPr>
-            </a:lvl9pPr>
-          </a:lstStyle>
-          <a:p>
-            <a:pPr marL="342900" indent="-342900">
-              <a:buAutoNum type="arabicPeriod"/>
-            </a:pPr>
-            <a:r>
-              <a:rPr lang="en-US" dirty="0"/>
-              <a:t>Implementing an event-driven architecture and makes it possible to reliably publish events</a:t>
-            </a:r>
-          </a:p>
-          <a:p>
-            <a:pPr marL="342900" indent="-342900">
-              <a:buAutoNum type="arabicPeriod"/>
-            </a:pPr>
-            <a:r>
-              <a:rPr lang="en-US" dirty="0"/>
-              <a:t>Provides a 100% reliable audit log of the changes made to a business entity (</a:t>
-            </a:r>
-            <a:r>
-              <a:rPr lang="en-US" b="1" dirty="0"/>
-              <a:t>Very</a:t>
-            </a:r>
-            <a:r>
-              <a:rPr lang="en-US" dirty="0"/>
-              <a:t> </a:t>
-            </a:r>
-            <a:r>
-              <a:rPr lang="en-US" b="1" dirty="0"/>
-              <a:t>useful</a:t>
-            </a:r>
-            <a:r>
-              <a:rPr lang="en-US" dirty="0"/>
-              <a:t> for reports)</a:t>
-            </a:r>
-          </a:p>
-          <a:p>
-            <a:pPr marL="342900" indent="-342900">
-              <a:buAutoNum type="arabicPeriod"/>
-            </a:pPr>
-            <a:r>
-              <a:rPr lang="en-US" dirty="0"/>
-              <a:t>Implementation via </a:t>
-            </a:r>
-          </a:p>
-        </p:txBody>
-      </p:sp>
-      <p:pic>
-        <p:nvPicPr>
-          <p:cNvPr id="8" name="Picture 7" descr="Резултат с изображение за marten dot net"/>
+          <p:cNvPr id="6" name="Picture 5" descr="https://devadventures.net/wp-content/uploads/2018/09/lambda-c-sharp.png"/>
           <p:cNvPicPr>
             <a:picLocks noChangeAspect="1" noChangeArrowheads="1"/>
           </p:cNvPicPr>
           <p:nvPr/>
         </p:nvPicPr>
         <p:blipFill>
-          <a:blip r:embed="rId4" cstate="print">
+          <a:blip r:embed="rId3">
             <a:extLst>
               <a:ext uri="{28A0092B-C50C-407E-A947-70E740481C1C}">
                 <a14:useLocalDpi xmlns:a14="http://schemas.microsoft.com/office/drawing/2010/main" val="0"/>
@@ -3429,8 +3237,8 @@
         </p:blipFill>
         <p:spPr bwMode="auto">
           <a:xfrm>
-            <a:off x="4150894" y="2307183"/>
-            <a:ext cx="3463925" cy="1164696"/>
+            <a:off x="-52134" y="3266381"/>
+            <a:ext cx="6943725" cy="3905846"/>
           </a:xfrm>
           <a:prstGeom prst="rect">
             <a:avLst/>
@@ -3449,22 +3257,21 @@
       </p:pic>
       <p:sp>
         <p:nvSpPr>
-          <p:cNvPr id="9" name="TextBox 4"/>
-          <p:cNvSpPr txBox="1"/>
+          <p:cNvPr id="10" name="Rectangle 9"/>
+          <p:cNvSpPr/>
           <p:nvPr/>
         </p:nvSpPr>
         <p:spPr>
           <a:xfrm>
-            <a:off x="5235157" y="3254328"/>
-            <a:ext cx="7670800" cy="646331"/>
+            <a:off x="5377026" y="3560476"/>
+            <a:ext cx="2100263" cy="1077218"/>
           </a:xfrm>
           <a:prstGeom prst="rect">
             <a:avLst/>
           </a:prstGeom>
-          <a:noFill/>
-        </p:spPr>
-        <p:txBody>
-          <a:bodyPr wrap="square" rtlCol="0">
+        </p:spPr>
+        <p:txBody>
+          <a:bodyPr wrap="square">
             <a:spAutoFit/>
           </a:bodyPr>
           <a:lstStyle>
@@ -3564,19 +3371,336 @@
           </a:lstStyle>
           <a:p>
             <a:r>
-              <a:rPr lang="en-US" dirty="0"/>
-              <a:t>Polyglot Persistence using PostgreSQL Database</a:t>
-            </a:r>
-          </a:p>
-          <a:p>
-            <a:endParaRPr lang="en-US" dirty="0"/>
+              <a:rPr lang="en-US" sz="4400" dirty="0">
+                <a:solidFill>
+                  <a:srgbClr val="000000"/>
+                </a:solidFill>
+              </a:rPr>
+              <a:t>Why?</a:t>
+            </a:r>
+            <a:endParaRPr lang="en-US" sz="2000" dirty="0"/>
+          </a:p>
+          <a:p>
+            <a:pPr fontAlgn="base">
+              <a:buFont typeface="Arial" panose="020B0604020202020204" pitchFamily="34" charset="0"/>
+              <a:buChar char="•"/>
+            </a:pPr>
+            <a:r>
+              <a:rPr lang="en-US" sz="2000" dirty="0">
+                <a:solidFill>
+                  <a:srgbClr val="000000"/>
+                </a:solidFill>
+              </a:rPr>
+              <a:t>Purity</a:t>
+            </a:r>
+          </a:p>
+        </p:txBody>
+      </p:sp>
+      <p:pic>
+        <p:nvPicPr>
+          <p:cNvPr id="7" name="Picture 2" descr="https://devadventures.net/wp-content/uploads/2018/09/lambda-c-sharp.png"/>
+          <p:cNvPicPr>
+            <a:picLocks noChangeAspect="1" noChangeArrowheads="1"/>
+          </p:cNvPicPr>
+          <p:nvPr/>
+        </p:nvPicPr>
+        <p:blipFill>
+          <a:blip r:embed="rId4">
+            <a:extLst>
+              <a:ext uri="{28A0092B-C50C-407E-A947-70E740481C1C}">
+                <a14:useLocalDpi xmlns:a14="http://schemas.microsoft.com/office/drawing/2010/main" val="0"/>
+              </a:ext>
+            </a:extLst>
+          </a:blip>
+          <a:srcRect/>
+          <a:stretch>
+            <a:fillRect/>
+          </a:stretch>
+        </p:blipFill>
+        <p:spPr bwMode="auto">
+          <a:xfrm>
+            <a:off x="-1334040" y="3168313"/>
+            <a:ext cx="6943725" cy="3905846"/>
+          </a:xfrm>
+          <a:prstGeom prst="rect">
+            <a:avLst/>
+          </a:prstGeom>
+          <a:noFill/>
+          <a:extLst>
+            <a:ext uri="{909E8E84-426E-40DD-AFC4-6F175D3DCCD1}">
+              <a14:hiddenFill xmlns:a14="http://schemas.microsoft.com/office/drawing/2010/main">
+                <a:solidFill>
+                  <a:srgbClr val="FFFFFF"/>
+                </a:solidFill>
+              </a14:hiddenFill>
+            </a:ext>
+          </a:extLst>
+        </p:spPr>
+      </p:pic>
+      <p:pic>
+        <p:nvPicPr>
+          <p:cNvPr id="9" name="Picture 2" descr="https://devadventures.net/wp-content/uploads/2018/09/lambda-c-sharp.png"/>
+          <p:cNvPicPr>
+            <a:picLocks noChangeAspect="1" noChangeArrowheads="1"/>
+          </p:cNvPicPr>
+          <p:nvPr/>
+        </p:nvPicPr>
+        <p:blipFill>
+          <a:blip r:embed="rId5">
+            <a:extLst>
+              <a:ext uri="{28A0092B-C50C-407E-A947-70E740481C1C}">
+                <a14:useLocalDpi xmlns:a14="http://schemas.microsoft.com/office/drawing/2010/main" val="0"/>
+              </a:ext>
+            </a:extLst>
+          </a:blip>
+          <a:srcRect/>
+          <a:stretch>
+            <a:fillRect/>
+          </a:stretch>
+        </p:blipFill>
+        <p:spPr bwMode="auto">
+          <a:xfrm>
+            <a:off x="-1360107" y="3266381"/>
+            <a:ext cx="6943725" cy="3905846"/>
+          </a:xfrm>
+          <a:prstGeom prst="rect">
+            <a:avLst/>
+          </a:prstGeom>
+          <a:noFill/>
+          <a:extLst>
+            <a:ext uri="{909E8E84-426E-40DD-AFC4-6F175D3DCCD1}">
+              <a14:hiddenFill xmlns:a14="http://schemas.microsoft.com/office/drawing/2010/main">
+                <a:solidFill>
+                  <a:srgbClr val="FFFFFF"/>
+                </a:solidFill>
+              </a14:hiddenFill>
+            </a:ext>
+          </a:extLst>
+        </p:spPr>
+      </p:pic>
+      <p:pic>
+        <p:nvPicPr>
+          <p:cNvPr id="11" name="Picture 2" descr="https://devadventures.net/wp-content/uploads/2018/09/lambda-c-sharp.png"/>
+          <p:cNvPicPr>
+            <a:picLocks noChangeAspect="1" noChangeArrowheads="1"/>
+          </p:cNvPicPr>
+          <p:nvPr/>
+        </p:nvPicPr>
+        <p:blipFill>
+          <a:blip r:embed="rId6">
+            <a:extLst>
+              <a:ext uri="{28A0092B-C50C-407E-A947-70E740481C1C}">
+                <a14:useLocalDpi xmlns:a14="http://schemas.microsoft.com/office/drawing/2010/main" val="0"/>
+              </a:ext>
+            </a:extLst>
+          </a:blip>
+          <a:srcRect/>
+          <a:stretch>
+            <a:fillRect/>
+          </a:stretch>
+        </p:blipFill>
+        <p:spPr bwMode="auto">
+          <a:xfrm>
+            <a:off x="-826851" y="3266381"/>
+            <a:ext cx="6943725" cy="3905846"/>
+          </a:xfrm>
+          <a:prstGeom prst="rect">
+            <a:avLst/>
+          </a:prstGeom>
+          <a:noFill/>
+          <a:extLst>
+            <a:ext uri="{909E8E84-426E-40DD-AFC4-6F175D3DCCD1}">
+              <a14:hiddenFill xmlns:a14="http://schemas.microsoft.com/office/drawing/2010/main">
+                <a:solidFill>
+                  <a:srgbClr val="FFFFFF"/>
+                </a:solidFill>
+              </a14:hiddenFill>
+            </a:ext>
+          </a:extLst>
+        </p:spPr>
+      </p:pic>
+      <p:sp>
+        <p:nvSpPr>
+          <p:cNvPr id="3" name="Rectangle 2"/>
+          <p:cNvSpPr/>
+          <p:nvPr/>
+        </p:nvSpPr>
+        <p:spPr>
+          <a:xfrm>
+            <a:off x="6237122" y="4237584"/>
+            <a:ext cx="6096000" cy="400110"/>
+          </a:xfrm>
+          <a:prstGeom prst="rect">
+            <a:avLst/>
+          </a:prstGeom>
+        </p:spPr>
+        <p:txBody>
+          <a:bodyPr>
+            <a:spAutoFit/>
+          </a:bodyPr>
+          <a:lstStyle/>
+          <a:p>
+            <a:pPr fontAlgn="base">
+              <a:buFont typeface="Arial" panose="020B0604020202020204" pitchFamily="34" charset="0"/>
+              <a:buChar char="•"/>
+            </a:pPr>
+            <a:r>
+              <a:rPr lang="en-US" sz="2000" dirty="0">
+                <a:solidFill>
+                  <a:srgbClr val="000000"/>
+                </a:solidFill>
+              </a:rPr>
+              <a:t>Expressiveness</a:t>
+            </a:r>
+          </a:p>
+        </p:txBody>
+      </p:sp>
+      <p:sp>
+        <p:nvSpPr>
+          <p:cNvPr id="5" name="Rectangle 4"/>
+          <p:cNvSpPr/>
+          <p:nvPr/>
+        </p:nvSpPr>
+        <p:spPr>
+          <a:xfrm>
+            <a:off x="7981997" y="4242374"/>
+            <a:ext cx="1633717" cy="400110"/>
+          </a:xfrm>
+          <a:prstGeom prst="rect">
+            <a:avLst/>
+          </a:prstGeom>
+        </p:spPr>
+        <p:txBody>
+          <a:bodyPr wrap="none">
+            <a:spAutoFit/>
+          </a:bodyPr>
+          <a:lstStyle/>
+          <a:p>
+            <a:pPr fontAlgn="base">
+              <a:spcAft>
+                <a:spcPts val="1600"/>
+              </a:spcAft>
+              <a:buFont typeface="Arial" panose="020B0604020202020204" pitchFamily="34" charset="0"/>
+              <a:buChar char="•"/>
+            </a:pPr>
+            <a:r>
+              <a:rPr lang="en-US" sz="2000" dirty="0">
+                <a:solidFill>
+                  <a:srgbClr val="000000"/>
+                </a:solidFill>
+              </a:rPr>
+              <a:t>Type – safety</a:t>
+            </a:r>
+          </a:p>
+        </p:txBody>
+      </p:sp>
+      <p:pic>
+        <p:nvPicPr>
+          <p:cNvPr id="1026" name="Picture 2"/>
+          <p:cNvPicPr>
+            <a:picLocks noChangeAspect="1" noChangeArrowheads="1"/>
+          </p:cNvPicPr>
+          <p:nvPr/>
+        </p:nvPicPr>
+        <p:blipFill>
+          <a:blip r:embed="rId7">
+            <a:extLst>
+              <a:ext uri="{28A0092B-C50C-407E-A947-70E740481C1C}">
+                <a14:useLocalDpi xmlns:a14="http://schemas.microsoft.com/office/drawing/2010/main" val="0"/>
+              </a:ext>
+            </a:extLst>
+          </a:blip>
+          <a:srcRect/>
+          <a:stretch>
+            <a:fillRect/>
+          </a:stretch>
+        </p:blipFill>
+        <p:spPr bwMode="auto">
+          <a:xfrm>
+            <a:off x="6116873" y="4842460"/>
+            <a:ext cx="5561779" cy="1747225"/>
+          </a:xfrm>
+          <a:prstGeom prst="rect">
+            <a:avLst/>
+          </a:prstGeom>
+          <a:noFill/>
+          <a:ln>
+            <a:noFill/>
+          </a:ln>
+          <a:effectLst/>
+          <a:extLst>
+            <a:ext uri="{909E8E84-426E-40DD-AFC4-6F175D3DCCD1}">
+              <a14:hiddenFill xmlns:a14="http://schemas.microsoft.com/office/drawing/2010/main">
+                <a:solidFill>
+                  <a:schemeClr val="accent1"/>
+                </a:solidFill>
+              </a14:hiddenFill>
+            </a:ext>
+            <a:ext uri="{91240B29-F687-4F45-9708-019B960494DF}">
+              <a14:hiddenLine xmlns:a14="http://schemas.microsoft.com/office/drawing/2010/main" w="9525">
+                <a:solidFill>
+                  <a:schemeClr val="tx1"/>
+                </a:solidFill>
+                <a:miter lim="800000"/>
+                <a:headEnd/>
+                <a:tailEnd/>
+              </a14:hiddenLine>
+            </a:ext>
+            <a:ext uri="{AF507438-7753-43E0-B8FC-AC1667EBCBE1}">
+              <a14:hiddenEffects xmlns:a14="http://schemas.microsoft.com/office/drawing/2010/main">
+                <a:effectLst>
+                  <a:outerShdw dist="35921" dir="2700000" algn="ctr" rotWithShape="0">
+                    <a:schemeClr val="bg2"/>
+                  </a:outerShdw>
+                </a:effectLst>
+              </a14:hiddenEffects>
+            </a:ext>
+          </a:extLst>
+        </p:spPr>
+      </p:pic>
+      <p:sp>
+        <p:nvSpPr>
+          <p:cNvPr id="12" name="Rectangle 11"/>
+          <p:cNvSpPr/>
+          <p:nvPr/>
+        </p:nvSpPr>
+        <p:spPr>
+          <a:xfrm>
+            <a:off x="9615714" y="4247164"/>
+            <a:ext cx="2416239" cy="400110"/>
+          </a:xfrm>
+          <a:prstGeom prst="rect">
+            <a:avLst/>
+          </a:prstGeom>
+        </p:spPr>
+        <p:txBody>
+          <a:bodyPr wrap="none">
+            <a:spAutoFit/>
+          </a:bodyPr>
+          <a:lstStyle/>
+          <a:p>
+            <a:pPr fontAlgn="base">
+              <a:spcAft>
+                <a:spcPts val="1600"/>
+              </a:spcAft>
+              <a:buFont typeface="Arial" panose="020B0604020202020204" pitchFamily="34" charset="0"/>
+              <a:buChar char="•"/>
+            </a:pPr>
+            <a:r>
+              <a:rPr lang="en-US" sz="2000" dirty="0">
+                <a:solidFill>
+                  <a:srgbClr val="000000"/>
+                </a:solidFill>
+              </a:rPr>
+              <a:t>Ubiquitous language</a:t>
+            </a:r>
           </a:p>
         </p:txBody>
       </p:sp>
     </p:spTree>
     <p:extLst>
       <p:ext uri="{BB962C8B-B14F-4D97-AF65-F5344CB8AC3E}">
-        <p14:creationId xmlns:p14="http://schemas.microsoft.com/office/powerpoint/2010/main" val="3955637945"/>
+        <p14:creationId xmlns:p14="http://schemas.microsoft.com/office/powerpoint/2010/main" val="1831765684"/>
       </p:ext>
     </p:extLst>
   </p:cSld>
@@ -3617,7 +3741,7 @@
       </p:grpSpPr>
       <p:pic>
         <p:nvPicPr>
-          <p:cNvPr id="5" name="Picture 4"/>
+          <p:cNvPr id="4" name="Picture 3"/>
           <p:cNvPicPr>
             <a:picLocks noChangeAspect="1"/>
           </p:cNvPicPr>
@@ -3637,17 +3761,101 @@
         </p:blipFill>
         <p:spPr>
           <a:xfrm>
-            <a:off x="0" y="0"/>
-            <a:ext cx="12192000" cy="6858000"/>
+            <a:off x="0" y="-26020"/>
+            <a:ext cx="12192000" cy="6874593"/>
           </a:xfrm>
           <a:prstGeom prst="rect">
             <a:avLst/>
           </a:prstGeom>
         </p:spPr>
       </p:pic>
+      <p:sp>
+        <p:nvSpPr>
+          <p:cNvPr id="8" name="Rectangle 7"/>
+          <p:cNvSpPr/>
+          <p:nvPr/>
+        </p:nvSpPr>
+        <p:spPr>
+          <a:xfrm>
+            <a:off x="1786021" y="2712817"/>
+            <a:ext cx="8619958" cy="707886"/>
+          </a:xfrm>
+          <a:prstGeom prst="rect">
+            <a:avLst/>
+          </a:prstGeom>
+        </p:spPr>
+        <p:txBody>
+          <a:bodyPr wrap="square">
+            <a:spAutoFit/>
+          </a:bodyPr>
+          <a:lstStyle/>
+          <a:p>
+            <a:pPr algn="ctr"/>
+            <a:r>
+              <a:rPr lang="en-US" sz="4000" b="1" dirty="0">
+                <a:ln w="12700">
+                  <a:solidFill>
+                    <a:schemeClr val="tx2">
+                      <a:lumMod val="75000"/>
+                    </a:schemeClr>
+                  </a:solidFill>
+                  <a:prstDash val="solid"/>
+                </a:ln>
+                <a:pattFill prst="dkUpDiag">
+                  <a:fgClr>
+                    <a:schemeClr val="tx2"/>
+                  </a:fgClr>
+                  <a:bgClr>
+                    <a:schemeClr val="tx2">
+                      <a:lumMod val="20000"/>
+                      <a:lumOff val="80000"/>
+                    </a:schemeClr>
+                  </a:bgClr>
+                </a:pattFill>
+                <a:effectLst>
+                  <a:outerShdw dist="38100" dir="2640000" algn="bl" rotWithShape="0">
+                    <a:schemeClr val="tx2">
+                      <a:lumMod val="75000"/>
+                    </a:schemeClr>
+                  </a:outerShdw>
+                </a:effectLst>
+              </a:rPr>
+              <a:t>Thin Controllers</a:t>
+            </a:r>
+            <a:endParaRPr lang="en-US" sz="4000" b="1" cap="none" spc="0" dirty="0">
+              <a:ln w="12700">
+                <a:solidFill>
+                  <a:schemeClr val="tx2">
+                    <a:lumMod val="75000"/>
+                  </a:schemeClr>
+                </a:solidFill>
+                <a:prstDash val="solid"/>
+              </a:ln>
+              <a:pattFill prst="dkUpDiag">
+                <a:fgClr>
+                  <a:schemeClr val="tx2"/>
+                </a:fgClr>
+                <a:bgClr>
+                  <a:schemeClr val="tx2">
+                    <a:lumMod val="20000"/>
+                    <a:lumOff val="80000"/>
+                  </a:schemeClr>
+                </a:bgClr>
+              </a:pattFill>
+              <a:effectLst>
+                <a:outerShdw dist="38100" dir="2640000" algn="bl" rotWithShape="0">
+                  <a:schemeClr val="tx2">
+                    <a:lumMod val="75000"/>
+                  </a:schemeClr>
+                </a:outerShdw>
+              </a:effectLst>
+            </a:endParaRPr>
+          </a:p>
+        </p:txBody>
+      </p:sp>
       <p:pic>
         <p:nvPicPr>
-          <p:cNvPr id="6" name="Picture 2"/>
+          <p:cNvPr id="2050" name="Picture 2"/>
           <p:cNvPicPr>
             <a:picLocks noChangeAspect="1" noChangeArrowheads="1"/>
           </p:cNvPicPr>
@@ -3668,8 +3876,8 @@
         </p:blipFill>
         <p:spPr bwMode="auto">
           <a:xfrm>
-            <a:off x="1713626" y="463639"/>
-            <a:ext cx="8764747" cy="4992577"/>
+            <a:off x="2215064" y="3830053"/>
+            <a:ext cx="7761872" cy="2629392"/>
           </a:xfrm>
           <a:prstGeom prst="rect">
             <a:avLst/>
@@ -3712,7 +3920,7 @@
     </p:spTree>
     <p:extLst>
       <p:ext uri="{BB962C8B-B14F-4D97-AF65-F5344CB8AC3E}">
-        <p14:creationId xmlns:p14="http://schemas.microsoft.com/office/powerpoint/2010/main" val="1371196094"/>
+        <p14:creationId xmlns:p14="http://schemas.microsoft.com/office/powerpoint/2010/main" val="3199653885"/>
       </p:ext>
     </p:extLst>
   </p:cSld>
@@ -3753,7 +3961,7 @@
       </p:grpSpPr>
       <p:pic>
         <p:nvPicPr>
-          <p:cNvPr id="4" name="Picture 3"/>
+          <p:cNvPr id="5" name="Picture 4"/>
           <p:cNvPicPr>
             <a:picLocks noChangeAspect="1"/>
           </p:cNvPicPr>
@@ -3773,8 +3981,8 @@
         </p:blipFill>
         <p:spPr>
           <a:xfrm>
-            <a:off x="0" y="-7166"/>
-            <a:ext cx="12192000" cy="6874593"/>
+            <a:off x="-54429" y="0"/>
+            <a:ext cx="12192000" cy="6858000"/>
           </a:xfrm>
           <a:prstGeom prst="rect">
             <a:avLst/>
@@ -3783,28 +3991,31 @@
       </p:pic>
       <p:sp>
         <p:nvSpPr>
-          <p:cNvPr id="8" name="Rectangle 7"/>
-          <p:cNvSpPr/>
-          <p:nvPr/>
-        </p:nvSpPr>
-        <p:spPr>
-          <a:xfrm>
-            <a:off x="2368407" y="2625226"/>
-            <a:ext cx="8619958" cy="707886"/>
-          </a:xfrm>
-          <a:prstGeom prst="rect">
-            <a:avLst/>
-          </a:prstGeom>
-        </p:spPr>
-        <p:txBody>
-          <a:bodyPr wrap="square">
-            <a:spAutoFit/>
+          <p:cNvPr id="4" name="Content Placeholder 2"/>
+          <p:cNvSpPr>
+            <a:spLocks noGrp="1"/>
+          </p:cNvSpPr>
+          <p:nvPr>
+            <p:ph idx="1"/>
+          </p:nvPr>
+        </p:nvSpPr>
+        <p:spPr>
+          <a:xfrm>
+            <a:off x="805544" y="376363"/>
+            <a:ext cx="10042071" cy="772051"/>
+          </a:xfrm>
+        </p:spPr>
+        <p:txBody>
+          <a:bodyPr>
+            <a:noAutofit/>
           </a:bodyPr>
           <a:lstStyle/>
           <a:p>
-            <a:pPr algn="ctr"/>
-            <a:r>
-              <a:rPr lang="en-US" sz="4000" b="1" cap="none" spc="0" dirty="0">
+            <a:pPr marL="0" indent="0" algn="just">
+              <a:buNone/>
+            </a:pPr>
+            <a:r>
+              <a:rPr lang="en-US" sz="4000" b="1" dirty="0">
                 <a:ln w="12700">
                   <a:solidFill>
                     <a:schemeClr val="tx2">
@@ -3832,498 +4043,101 @@
                   </a:outerShdw>
                 </a:effectLst>
               </a:rPr>
-              <a:t>Functional Programming</a:t>
+              <a:t>Hypermedia as the Engine of Application State</a:t>
+            </a:r>
+            <a:endParaRPr lang="en-US" sz="4000" dirty="0"/>
+          </a:p>
+        </p:txBody>
+      </p:sp>
+      <p:sp>
+        <p:nvSpPr>
+          <p:cNvPr id="2" name="Rectangle 1"/>
+          <p:cNvSpPr/>
+          <p:nvPr/>
+        </p:nvSpPr>
+        <p:spPr>
+          <a:xfrm>
+            <a:off x="869544" y="1148414"/>
+            <a:ext cx="9140729" cy="646331"/>
+          </a:xfrm>
+          <a:prstGeom prst="rect">
+            <a:avLst/>
+          </a:prstGeom>
+        </p:spPr>
+        <p:txBody>
+          <a:bodyPr wrap="square">
+            <a:spAutoFit/>
+          </a:bodyPr>
+          <a:lstStyle/>
+          <a:p>
+            <a:pPr algn="just"/>
+            <a:r>
+              <a:rPr lang="en-US" dirty="0"/>
+              <a:t>Provides</a:t>
+            </a:r>
+            <a:r>
+              <a:rPr lang="bg-BG" dirty="0"/>
+              <a:t> </a:t>
+            </a:r>
+            <a:r>
+              <a:rPr lang="en-US" dirty="0"/>
+              <a:t>hypermedia links in the response contents so that the client can dynamically navigate to the appropriate resource by traversing the hypermedia links. </a:t>
             </a:r>
           </a:p>
         </p:txBody>
       </p:sp>
       <p:pic>
         <p:nvPicPr>
-          <p:cNvPr id="6" name="Picture 5" descr="https://devadventures.net/wp-content/uploads/2018/09/lambda-c-sharp.png"/>
+          <p:cNvPr id="3" name="Picture 2"/>
           <p:cNvPicPr>
-            <a:picLocks noChangeAspect="1" noChangeArrowheads="1"/>
+            <a:picLocks noChangeAspect="1"/>
           </p:cNvPicPr>
           <p:nvPr/>
         </p:nvPicPr>
         <p:blipFill>
-          <a:blip r:embed="rId3">
-            <a:extLst>
-              <a:ext uri="{28A0092B-C50C-407E-A947-70E740481C1C}">
-                <a14:useLocalDpi xmlns:a14="http://schemas.microsoft.com/office/drawing/2010/main" val="0"/>
-              </a:ext>
-            </a:extLst>
-          </a:blip>
-          <a:srcRect/>
+          <a:blip r:embed="rId3"/>
           <a:stretch>
             <a:fillRect/>
           </a:stretch>
         </p:blipFill>
-        <p:spPr bwMode="auto">
-          <a:xfrm>
-            <a:off x="-52134" y="3266381"/>
-            <a:ext cx="6943725" cy="3905846"/>
+        <p:spPr>
+          <a:xfrm>
+            <a:off x="482851" y="2154354"/>
+            <a:ext cx="8124825" cy="1752600"/>
           </a:xfrm>
           <a:prstGeom prst="rect">
             <a:avLst/>
           </a:prstGeom>
-          <a:noFill/>
-          <a:extLst>
-            <a:ext uri="{909E8E84-426E-40DD-AFC4-6F175D3DCCD1}">
-              <a14:hiddenFill xmlns:a14="http://schemas.microsoft.com/office/drawing/2010/main">
-                <a:solidFill>
-                  <a:srgbClr val="FFFFFF"/>
-                </a:solidFill>
-              </a14:hiddenFill>
-            </a:ext>
-          </a:extLst>
         </p:spPr>
       </p:pic>
-      <p:sp>
-        <p:nvSpPr>
-          <p:cNvPr id="10" name="Rectangle 9"/>
-          <p:cNvSpPr/>
-          <p:nvPr/>
-        </p:nvSpPr>
-        <p:spPr>
-          <a:xfrm>
-            <a:off x="5377026" y="3560476"/>
-            <a:ext cx="2100263" cy="1077218"/>
-          </a:xfrm>
-          <a:prstGeom prst="rect">
-            <a:avLst/>
-          </a:prstGeom>
-        </p:spPr>
-        <p:txBody>
-          <a:bodyPr wrap="square">
-            <a:spAutoFit/>
-          </a:bodyPr>
-          <a:lstStyle>
-            <a:defPPr>
-              <a:defRPr lang="en-US"/>
-            </a:defPPr>
-            <a:lvl1pPr marL="0" algn="l" defTabSz="914400" rtl="0" eaLnBrk="1" latinLnBrk="0" hangingPunct="1">
-              <a:defRPr sz="1800" kern="1200">
-                <a:solidFill>
-                  <a:schemeClr val="tx1"/>
-                </a:solidFill>
-                <a:latin typeface="+mn-lt"/>
-                <a:ea typeface="+mn-ea"/>
-                <a:cs typeface="+mn-cs"/>
-              </a:defRPr>
-            </a:lvl1pPr>
-            <a:lvl2pPr marL="457200" algn="l" defTabSz="914400" rtl="0" eaLnBrk="1" latinLnBrk="0" hangingPunct="1">
-              <a:defRPr sz="1800" kern="1200">
-                <a:solidFill>
-                  <a:schemeClr val="tx1"/>
-                </a:solidFill>
-                <a:latin typeface="+mn-lt"/>
-                <a:ea typeface="+mn-ea"/>
-                <a:cs typeface="+mn-cs"/>
-              </a:defRPr>
-            </a:lvl2pPr>
-            <a:lvl3pPr marL="914400" algn="l" defTabSz="914400" rtl="0" eaLnBrk="1" latinLnBrk="0" hangingPunct="1">
-              <a:defRPr sz="1800" kern="1200">
-                <a:solidFill>
-                  <a:schemeClr val="tx1"/>
-                </a:solidFill>
-                <a:latin typeface="+mn-lt"/>
-                <a:ea typeface="+mn-ea"/>
-                <a:cs typeface="+mn-cs"/>
-              </a:defRPr>
-            </a:lvl3pPr>
-            <a:lvl4pPr marL="1371600" algn="l" defTabSz="914400" rtl="0" eaLnBrk="1" latinLnBrk="0" hangingPunct="1">
-              <a:defRPr sz="1800" kern="1200">
-                <a:solidFill>
-                  <a:schemeClr val="tx1"/>
-                </a:solidFill>
-                <a:latin typeface="+mn-lt"/>
-                <a:ea typeface="+mn-ea"/>
-                <a:cs typeface="+mn-cs"/>
-              </a:defRPr>
-            </a:lvl4pPr>
-            <a:lvl5pPr marL="1828800" algn="l" defTabSz="914400" rtl="0" eaLnBrk="1" latinLnBrk="0" hangingPunct="1">
-              <a:defRPr sz="1800" kern="1200">
-                <a:solidFill>
-                  <a:schemeClr val="tx1"/>
-                </a:solidFill>
-                <a:latin typeface="+mn-lt"/>
-                <a:ea typeface="+mn-ea"/>
-                <a:cs typeface="+mn-cs"/>
-              </a:defRPr>
-            </a:lvl5pPr>
-            <a:lvl6pPr marL="2286000" algn="l" defTabSz="914400" rtl="0" eaLnBrk="1" latinLnBrk="0" hangingPunct="1">
-              <a:defRPr sz="1800" kern="1200">
-                <a:solidFill>
-                  <a:schemeClr val="tx1"/>
-                </a:solidFill>
-                <a:latin typeface="+mn-lt"/>
-                <a:ea typeface="+mn-ea"/>
-                <a:cs typeface="+mn-cs"/>
-              </a:defRPr>
-            </a:lvl6pPr>
-            <a:lvl7pPr marL="2743200" algn="l" defTabSz="914400" rtl="0" eaLnBrk="1" latinLnBrk="0" hangingPunct="1">
-              <a:defRPr sz="1800" kern="1200">
-                <a:solidFill>
-                  <a:schemeClr val="tx1"/>
-                </a:solidFill>
-                <a:latin typeface="+mn-lt"/>
-                <a:ea typeface="+mn-ea"/>
-                <a:cs typeface="+mn-cs"/>
-              </a:defRPr>
-            </a:lvl7pPr>
-            <a:lvl8pPr marL="3200400" algn="l" defTabSz="914400" rtl="0" eaLnBrk="1" latinLnBrk="0" hangingPunct="1">
-              <a:defRPr sz="1800" kern="1200">
-                <a:solidFill>
-                  <a:schemeClr val="tx1"/>
-                </a:solidFill>
-                <a:latin typeface="+mn-lt"/>
-                <a:ea typeface="+mn-ea"/>
-                <a:cs typeface="+mn-cs"/>
-              </a:defRPr>
-            </a:lvl8pPr>
-            <a:lvl9pPr marL="3657600" algn="l" defTabSz="914400" rtl="0" eaLnBrk="1" latinLnBrk="0" hangingPunct="1">
-              <a:defRPr sz="1800" kern="1200">
-                <a:solidFill>
-                  <a:schemeClr val="tx1"/>
-                </a:solidFill>
-                <a:latin typeface="+mn-lt"/>
-                <a:ea typeface="+mn-ea"/>
-                <a:cs typeface="+mn-cs"/>
-              </a:defRPr>
-            </a:lvl9pPr>
-          </a:lstStyle>
-          <a:p>
-            <a:r>
-              <a:rPr lang="en-US" sz="4400" dirty="0">
-                <a:solidFill>
-                  <a:srgbClr val="000000"/>
-                </a:solidFill>
-              </a:rPr>
-              <a:t>Why?</a:t>
-            </a:r>
-            <a:endParaRPr lang="en-US" sz="2000" dirty="0"/>
-          </a:p>
-          <a:p>
-            <a:pPr fontAlgn="base">
-              <a:buFont typeface="Arial" panose="020B0604020202020204" pitchFamily="34" charset="0"/>
-              <a:buChar char="•"/>
-            </a:pPr>
-            <a:r>
-              <a:rPr lang="en-US" sz="2000" dirty="0">
-                <a:solidFill>
-                  <a:srgbClr val="000000"/>
-                </a:solidFill>
-              </a:rPr>
-              <a:t>Purity</a:t>
-            </a:r>
-          </a:p>
-        </p:txBody>
-      </p:sp>
       <p:pic>
         <p:nvPicPr>
-          <p:cNvPr id="7" name="Picture 2" descr="https://devadventures.net/wp-content/uploads/2018/09/lambda-c-sharp.png"/>
+          <p:cNvPr id="6" name="Picture 5"/>
           <p:cNvPicPr>
-            <a:picLocks noChangeAspect="1" noChangeArrowheads="1"/>
+            <a:picLocks noChangeAspect="1"/>
           </p:cNvPicPr>
           <p:nvPr/>
         </p:nvPicPr>
         <p:blipFill>
-          <a:blip r:embed="rId4">
-            <a:extLst>
-              <a:ext uri="{28A0092B-C50C-407E-A947-70E740481C1C}">
-                <a14:useLocalDpi xmlns:a14="http://schemas.microsoft.com/office/drawing/2010/main" val="0"/>
-              </a:ext>
-            </a:extLst>
-          </a:blip>
-          <a:srcRect/>
+          <a:blip r:embed="rId4"/>
           <a:stretch>
             <a:fillRect/>
           </a:stretch>
         </p:blipFill>
-        <p:spPr bwMode="auto">
-          <a:xfrm>
-            <a:off x="-1334040" y="3168313"/>
-            <a:ext cx="6943725" cy="3905846"/>
+        <p:spPr>
+          <a:xfrm>
+            <a:off x="6587038" y="2154354"/>
+            <a:ext cx="4600575" cy="4448175"/>
           </a:xfrm>
           <a:prstGeom prst="rect">
             <a:avLst/>
           </a:prstGeom>
-          <a:noFill/>
-          <a:extLst>
-            <a:ext uri="{909E8E84-426E-40DD-AFC4-6F175D3DCCD1}">
-              <a14:hiddenFill xmlns:a14="http://schemas.microsoft.com/office/drawing/2010/main">
-                <a:solidFill>
-                  <a:srgbClr val="FFFFFF"/>
-                </a:solidFill>
-              </a14:hiddenFill>
-            </a:ext>
-          </a:extLst>
         </p:spPr>
       </p:pic>
-      <p:pic>
-        <p:nvPicPr>
-          <p:cNvPr id="9" name="Picture 2" descr="https://devadventures.net/wp-content/uploads/2018/09/lambda-c-sharp.png"/>
-          <p:cNvPicPr>
-            <a:picLocks noChangeAspect="1" noChangeArrowheads="1"/>
-          </p:cNvPicPr>
-          <p:nvPr/>
-        </p:nvPicPr>
-        <p:blipFill>
-          <a:blip r:embed="rId5">
-            <a:extLst>
-              <a:ext uri="{28A0092B-C50C-407E-A947-70E740481C1C}">
-                <a14:useLocalDpi xmlns:a14="http://schemas.microsoft.com/office/drawing/2010/main" val="0"/>
-              </a:ext>
-            </a:extLst>
-          </a:blip>
-          <a:srcRect/>
-          <a:stretch>
-            <a:fillRect/>
-          </a:stretch>
-        </p:blipFill>
-        <p:spPr bwMode="auto">
-          <a:xfrm>
-            <a:off x="-1360107" y="3266381"/>
-            <a:ext cx="6943725" cy="3905846"/>
-          </a:xfrm>
-          <a:prstGeom prst="rect">
-            <a:avLst/>
-          </a:prstGeom>
-          <a:noFill/>
-          <a:extLst>
-            <a:ext uri="{909E8E84-426E-40DD-AFC4-6F175D3DCCD1}">
-              <a14:hiddenFill xmlns:a14="http://schemas.microsoft.com/office/drawing/2010/main">
-                <a:solidFill>
-                  <a:srgbClr val="FFFFFF"/>
-                </a:solidFill>
-              </a14:hiddenFill>
-            </a:ext>
-          </a:extLst>
-        </p:spPr>
-      </p:pic>
-      <p:pic>
-        <p:nvPicPr>
-          <p:cNvPr id="11" name="Picture 2" descr="https://devadventures.net/wp-content/uploads/2018/09/lambda-c-sharp.png"/>
-          <p:cNvPicPr>
-            <a:picLocks noChangeAspect="1" noChangeArrowheads="1"/>
-          </p:cNvPicPr>
-          <p:nvPr/>
-        </p:nvPicPr>
-        <p:blipFill>
-          <a:blip r:embed="rId6">
-            <a:extLst>
-              <a:ext uri="{28A0092B-C50C-407E-A947-70E740481C1C}">
-                <a14:useLocalDpi xmlns:a14="http://schemas.microsoft.com/office/drawing/2010/main" val="0"/>
-              </a:ext>
-            </a:extLst>
-          </a:blip>
-          <a:srcRect/>
-          <a:stretch>
-            <a:fillRect/>
-          </a:stretch>
-        </p:blipFill>
-        <p:spPr bwMode="auto">
-          <a:xfrm>
-            <a:off x="-826851" y="3266381"/>
-            <a:ext cx="6943725" cy="3905846"/>
-          </a:xfrm>
-          <a:prstGeom prst="rect">
-            <a:avLst/>
-          </a:prstGeom>
-          <a:noFill/>
-          <a:extLst>
-            <a:ext uri="{909E8E84-426E-40DD-AFC4-6F175D3DCCD1}">
-              <a14:hiddenFill xmlns:a14="http://schemas.microsoft.com/office/drawing/2010/main">
-                <a:solidFill>
-                  <a:srgbClr val="FFFFFF"/>
-                </a:solidFill>
-              </a14:hiddenFill>
-            </a:ext>
-          </a:extLst>
-        </p:spPr>
-      </p:pic>
-      <p:sp>
-        <p:nvSpPr>
-          <p:cNvPr id="3" name="Rectangle 2"/>
-          <p:cNvSpPr/>
-          <p:nvPr/>
-        </p:nvSpPr>
-        <p:spPr>
-          <a:xfrm>
-            <a:off x="6237122" y="4237584"/>
-            <a:ext cx="6096000" cy="400110"/>
-          </a:xfrm>
-          <a:prstGeom prst="rect">
-            <a:avLst/>
-          </a:prstGeom>
-        </p:spPr>
-        <p:txBody>
-          <a:bodyPr>
-            <a:spAutoFit/>
-          </a:bodyPr>
-          <a:lstStyle/>
-          <a:p>
-            <a:pPr fontAlgn="base">
-              <a:buFont typeface="Arial" panose="020B0604020202020204" pitchFamily="34" charset="0"/>
-              <a:buChar char="•"/>
-            </a:pPr>
-            <a:r>
-              <a:rPr lang="en-US" sz="2000" dirty="0">
-                <a:solidFill>
-                  <a:srgbClr val="000000"/>
-                </a:solidFill>
-              </a:rPr>
-              <a:t>Expressiveness</a:t>
-            </a:r>
-          </a:p>
-        </p:txBody>
-      </p:sp>
-      <p:sp>
-        <p:nvSpPr>
-          <p:cNvPr id="5" name="Rectangle 4"/>
-          <p:cNvSpPr/>
-          <p:nvPr/>
-        </p:nvSpPr>
-        <p:spPr>
-          <a:xfrm>
-            <a:off x="7981997" y="4242374"/>
-            <a:ext cx="1633717" cy="400110"/>
-          </a:xfrm>
-          <a:prstGeom prst="rect">
-            <a:avLst/>
-          </a:prstGeom>
-        </p:spPr>
-        <p:txBody>
-          <a:bodyPr wrap="none">
-            <a:spAutoFit/>
-          </a:bodyPr>
-          <a:lstStyle/>
-          <a:p>
-            <a:pPr fontAlgn="base">
-              <a:spcAft>
-                <a:spcPts val="1600"/>
-              </a:spcAft>
-              <a:buFont typeface="Arial" panose="020B0604020202020204" pitchFamily="34" charset="0"/>
-              <a:buChar char="•"/>
-            </a:pPr>
-            <a:r>
-              <a:rPr lang="en-US" sz="2000" dirty="0">
-                <a:solidFill>
-                  <a:srgbClr val="000000"/>
-                </a:solidFill>
-              </a:rPr>
-              <a:t>Type – safety</a:t>
-            </a:r>
-          </a:p>
-        </p:txBody>
-      </p:sp>
-      <p:pic>
-        <p:nvPicPr>
-          <p:cNvPr id="1026" name="Picture 2"/>
-          <p:cNvPicPr>
-            <a:picLocks noChangeAspect="1" noChangeArrowheads="1"/>
-          </p:cNvPicPr>
-          <p:nvPr/>
-        </p:nvPicPr>
-        <p:blipFill>
-          <a:blip r:embed="rId7">
-            <a:extLst>
-              <a:ext uri="{28A0092B-C50C-407E-A947-70E740481C1C}">
-                <a14:useLocalDpi xmlns:a14="http://schemas.microsoft.com/office/drawing/2010/main" val="0"/>
-              </a:ext>
-            </a:extLst>
-          </a:blip>
-          <a:srcRect/>
-          <a:stretch>
-            <a:fillRect/>
-          </a:stretch>
-        </p:blipFill>
-        <p:spPr bwMode="auto">
-          <a:xfrm>
-            <a:off x="6116873" y="4842460"/>
-            <a:ext cx="5561779" cy="1747225"/>
-          </a:xfrm>
-          <a:prstGeom prst="rect">
-            <a:avLst/>
-          </a:prstGeom>
-          <a:noFill/>
-          <a:ln>
-            <a:noFill/>
-          </a:ln>
-          <a:effectLst/>
-          <a:extLst>
-            <a:ext uri="{909E8E84-426E-40DD-AFC4-6F175D3DCCD1}">
-              <a14:hiddenFill xmlns:a14="http://schemas.microsoft.com/office/drawing/2010/main">
-                <a:solidFill>
-                  <a:schemeClr val="accent1"/>
-                </a:solidFill>
-              </a14:hiddenFill>
-            </a:ext>
-            <a:ext uri="{91240B29-F687-4F45-9708-019B960494DF}">
-              <a14:hiddenLine xmlns:a14="http://schemas.microsoft.com/office/drawing/2010/main" w="9525">
-                <a:solidFill>
-                  <a:schemeClr val="tx1"/>
-                </a:solidFill>
-                <a:miter lim="800000"/>
-                <a:headEnd/>
-                <a:tailEnd/>
-              </a14:hiddenLine>
-            </a:ext>
-            <a:ext uri="{AF507438-7753-43E0-B8FC-AC1667EBCBE1}">
-              <a14:hiddenEffects xmlns:a14="http://schemas.microsoft.com/office/drawing/2010/main">
-                <a:effectLst>
-                  <a:outerShdw dist="35921" dir="2700000" algn="ctr" rotWithShape="0">
-                    <a:schemeClr val="bg2"/>
-                  </a:outerShdw>
-                </a:effectLst>
-              </a14:hiddenEffects>
-            </a:ext>
-          </a:extLst>
-        </p:spPr>
-      </p:pic>
-      <p:sp>
-        <p:nvSpPr>
-          <p:cNvPr id="12" name="Rectangle 11"/>
-          <p:cNvSpPr/>
-          <p:nvPr/>
-        </p:nvSpPr>
-        <p:spPr>
-          <a:xfrm>
-            <a:off x="9615714" y="4247164"/>
-            <a:ext cx="2416239" cy="400110"/>
-          </a:xfrm>
-          <a:prstGeom prst="rect">
-            <a:avLst/>
-          </a:prstGeom>
-        </p:spPr>
-        <p:txBody>
-          <a:bodyPr wrap="none">
-            <a:spAutoFit/>
-          </a:bodyPr>
-          <a:lstStyle/>
-          <a:p>
-            <a:pPr fontAlgn="base">
-              <a:spcAft>
-                <a:spcPts val="1600"/>
-              </a:spcAft>
-              <a:buFont typeface="Arial" panose="020B0604020202020204" pitchFamily="34" charset="0"/>
-              <a:buChar char="•"/>
-            </a:pPr>
-            <a:r>
-              <a:rPr lang="en-US" sz="2000" dirty="0">
-                <a:solidFill>
-                  <a:srgbClr val="000000"/>
-                </a:solidFill>
-              </a:rPr>
-              <a:t>Ubiquitous language</a:t>
-            </a:r>
-          </a:p>
-        </p:txBody>
-      </p:sp>
     </p:spTree>
     <p:extLst>
       <p:ext uri="{BB962C8B-B14F-4D97-AF65-F5344CB8AC3E}">
-        <p14:creationId xmlns:p14="http://schemas.microsoft.com/office/powerpoint/2010/main" val="1831765684"/>
+        <p14:creationId xmlns:p14="http://schemas.microsoft.com/office/powerpoint/2010/main" val="1744031093"/>
       </p:ext>
     </p:extLst>
   </p:cSld>
@@ -4364,443 +4178,6 @@
       </p:grpSpPr>
       <p:pic>
         <p:nvPicPr>
-          <p:cNvPr id="4" name="Picture 3"/>
-          <p:cNvPicPr>
-            <a:picLocks noChangeAspect="1"/>
-          </p:cNvPicPr>
-          <p:nvPr/>
-        </p:nvPicPr>
-        <p:blipFill>
-          <a:blip r:embed="rId2">
-            <a:extLst>
-              <a:ext uri="{28A0092B-C50C-407E-A947-70E740481C1C}">
-                <a14:useLocalDpi xmlns:a14="http://schemas.microsoft.com/office/drawing/2010/main" val="0"/>
-              </a:ext>
-            </a:extLst>
-          </a:blip>
-          <a:stretch>
-            <a:fillRect/>
-          </a:stretch>
-        </p:blipFill>
-        <p:spPr>
-          <a:xfrm>
-            <a:off x="0" y="-26020"/>
-            <a:ext cx="12192000" cy="6874593"/>
-          </a:xfrm>
-          <a:prstGeom prst="rect">
-            <a:avLst/>
-          </a:prstGeom>
-        </p:spPr>
-      </p:pic>
-      <p:sp>
-        <p:nvSpPr>
-          <p:cNvPr id="8" name="Rectangle 7"/>
-          <p:cNvSpPr/>
-          <p:nvPr/>
-        </p:nvSpPr>
-        <p:spPr>
-          <a:xfrm>
-            <a:off x="1786021" y="2712817"/>
-            <a:ext cx="8619958" cy="707886"/>
-          </a:xfrm>
-          <a:prstGeom prst="rect">
-            <a:avLst/>
-          </a:prstGeom>
-        </p:spPr>
-        <p:txBody>
-          <a:bodyPr wrap="square">
-            <a:spAutoFit/>
-          </a:bodyPr>
-          <a:lstStyle/>
-          <a:p>
-            <a:pPr algn="ctr"/>
-            <a:r>
-              <a:rPr lang="en-US" sz="4000" b="1" dirty="0">
-                <a:ln w="12700">
-                  <a:solidFill>
-                    <a:schemeClr val="tx2">
-                      <a:lumMod val="75000"/>
-                    </a:schemeClr>
-                  </a:solidFill>
-                  <a:prstDash val="solid"/>
-                </a:ln>
-                <a:pattFill prst="dkUpDiag">
-                  <a:fgClr>
-                    <a:schemeClr val="tx2"/>
-                  </a:fgClr>
-                  <a:bgClr>
-                    <a:schemeClr val="tx2">
-                      <a:lumMod val="20000"/>
-                      <a:lumOff val="80000"/>
-                    </a:schemeClr>
-                  </a:bgClr>
-                </a:pattFill>
-                <a:effectLst>
-                  <a:outerShdw dist="38100" dir="2640000" algn="bl" rotWithShape="0">
-                    <a:schemeClr val="tx2">
-                      <a:lumMod val="75000"/>
-                    </a:schemeClr>
-                  </a:outerShdw>
-                </a:effectLst>
-              </a:rPr>
-              <a:t>Thin Controllers</a:t>
-            </a:r>
-            <a:endParaRPr lang="en-US" sz="4000" b="1" cap="none" spc="0" dirty="0">
-              <a:ln w="12700">
-                <a:solidFill>
-                  <a:schemeClr val="tx2">
-                    <a:lumMod val="75000"/>
-                  </a:schemeClr>
-                </a:solidFill>
-                <a:prstDash val="solid"/>
-              </a:ln>
-              <a:pattFill prst="dkUpDiag">
-                <a:fgClr>
-                  <a:schemeClr val="tx2"/>
-                </a:fgClr>
-                <a:bgClr>
-                  <a:schemeClr val="tx2">
-                    <a:lumMod val="20000"/>
-                    <a:lumOff val="80000"/>
-                  </a:schemeClr>
-                </a:bgClr>
-              </a:pattFill>
-              <a:effectLst>
-                <a:outerShdw dist="38100" dir="2640000" algn="bl" rotWithShape="0">
-                  <a:schemeClr val="tx2">
-                    <a:lumMod val="75000"/>
-                  </a:schemeClr>
-                </a:outerShdw>
-              </a:effectLst>
-            </a:endParaRPr>
-          </a:p>
-        </p:txBody>
-      </p:sp>
-      <p:pic>
-        <p:nvPicPr>
-          <p:cNvPr id="2050" name="Picture 2"/>
-          <p:cNvPicPr>
-            <a:picLocks noChangeAspect="1" noChangeArrowheads="1"/>
-          </p:cNvPicPr>
-          <p:nvPr/>
-        </p:nvPicPr>
-        <p:blipFill>
-          <a:blip r:embed="rId3">
-            <a:extLst>
-              <a:ext uri="{28A0092B-C50C-407E-A947-70E740481C1C}">
-                <a14:useLocalDpi xmlns:a14="http://schemas.microsoft.com/office/drawing/2010/main" val="0"/>
-              </a:ext>
-            </a:extLst>
-          </a:blip>
-          <a:srcRect/>
-          <a:stretch>
-            <a:fillRect/>
-          </a:stretch>
-        </p:blipFill>
-        <p:spPr bwMode="auto">
-          <a:xfrm>
-            <a:off x="2215064" y="3830053"/>
-            <a:ext cx="7761872" cy="2629392"/>
-          </a:xfrm>
-          <a:prstGeom prst="rect">
-            <a:avLst/>
-          </a:prstGeom>
-          <a:noFill/>
-          <a:ln>
-            <a:noFill/>
-          </a:ln>
-          <a:effectLst/>
-          <a:extLst>
-            <a:ext uri="{909E8E84-426E-40DD-AFC4-6F175D3DCCD1}">
-              <a14:hiddenFill xmlns:a14="http://schemas.microsoft.com/office/drawing/2010/main">
-                <a:solidFill>
-                  <a:schemeClr val="accent1"/>
-                </a:solidFill>
-              </a14:hiddenFill>
-            </a:ext>
-            <a:ext uri="{91240B29-F687-4F45-9708-019B960494DF}">
-              <a14:hiddenLine xmlns:a14="http://schemas.microsoft.com/office/drawing/2010/main" w="9525">
-                <a:solidFill>
-                  <a:schemeClr val="tx1"/>
-                </a:solidFill>
-                <a:miter lim="800000"/>
-                <a:headEnd/>
-                <a:tailEnd/>
-              </a14:hiddenLine>
-            </a:ext>
-            <a:ext uri="{AF507438-7753-43E0-B8FC-AC1667EBCBE1}">
-              <a14:hiddenEffects xmlns:a14="http://schemas.microsoft.com/office/drawing/2010/main">
-                <a:effectLst>
-                  <a:outerShdw dist="35921" dir="2700000" algn="ctr" rotWithShape="0">
-                    <a:schemeClr val="bg2"/>
-                  </a:outerShdw>
-                </a:effectLst>
-              </a14:hiddenEffects>
-            </a:ext>
-          </a:extLst>
-        </p:spPr>
-      </p:pic>
-    </p:spTree>
-    <p:extLst>
-      <p:ext uri="{BB962C8B-B14F-4D97-AF65-F5344CB8AC3E}">
-        <p14:creationId xmlns:p14="http://schemas.microsoft.com/office/powerpoint/2010/main" val="3199653885"/>
-      </p:ext>
-    </p:extLst>
-  </p:cSld>
-  <p:clrMapOvr>
-    <a:masterClrMapping/>
-  </p:clrMapOvr>
-  <mc:AlternateContent xmlns:mc="http://schemas.openxmlformats.org/markup-compatibility/2006" xmlns:p14="http://schemas.microsoft.com/office/powerpoint/2010/main">
-    <mc:Choice Requires="p14">
-      <p:transition spd="slow" p14:dur="800">
-        <p:circle/>
-      </p:transition>
-    </mc:Choice>
-    <mc:Fallback xmlns="">
-      <p:transition spd="slow">
-        <p:circle/>
-      </p:transition>
-    </mc:Fallback>
-  </mc:AlternateContent>
-</p:sld>
-</file>
-
-<file path=ppt/slides/slide14.xml><?xml version="1.0" encoding="utf-8"?>
-<p:sld xmlns:a="http://schemas.openxmlformats.org/drawingml/2006/main" xmlns:r="http://schemas.openxmlformats.org/officeDocument/2006/relationships" xmlns:p="http://schemas.openxmlformats.org/presentationml/2006/main">
-  <p:cSld>
-    <p:spTree>
-      <p:nvGrpSpPr>
-        <p:cNvPr id="1" name=""/>
-        <p:cNvGrpSpPr/>
-        <p:nvPr/>
-      </p:nvGrpSpPr>
-      <p:grpSpPr>
-        <a:xfrm>
-          <a:off x="0" y="0"/>
-          <a:ext cx="0" cy="0"/>
-          <a:chOff x="0" y="0"/>
-          <a:chExt cx="0" cy="0"/>
-        </a:xfrm>
-      </p:grpSpPr>
-      <p:pic>
-        <p:nvPicPr>
-          <p:cNvPr id="5" name="Picture 4"/>
-          <p:cNvPicPr>
-            <a:picLocks noChangeAspect="1"/>
-          </p:cNvPicPr>
-          <p:nvPr/>
-        </p:nvPicPr>
-        <p:blipFill>
-          <a:blip r:embed="rId2">
-            <a:extLst>
-              <a:ext uri="{28A0092B-C50C-407E-A947-70E740481C1C}">
-                <a14:useLocalDpi xmlns:a14="http://schemas.microsoft.com/office/drawing/2010/main" val="0"/>
-              </a:ext>
-            </a:extLst>
-          </a:blip>
-          <a:stretch>
-            <a:fillRect/>
-          </a:stretch>
-        </p:blipFill>
-        <p:spPr>
-          <a:xfrm>
-            <a:off x="-54429" y="0"/>
-            <a:ext cx="12192000" cy="6858000"/>
-          </a:xfrm>
-          <a:prstGeom prst="rect">
-            <a:avLst/>
-          </a:prstGeom>
-        </p:spPr>
-      </p:pic>
-      <p:sp>
-        <p:nvSpPr>
-          <p:cNvPr id="4" name="Content Placeholder 2"/>
-          <p:cNvSpPr>
-            <a:spLocks noGrp="1"/>
-          </p:cNvSpPr>
-          <p:nvPr>
-            <p:ph idx="1"/>
-          </p:nvPr>
-        </p:nvSpPr>
-        <p:spPr>
-          <a:xfrm>
-            <a:off x="805544" y="376363"/>
-            <a:ext cx="10042071" cy="772051"/>
-          </a:xfrm>
-        </p:spPr>
-        <p:txBody>
-          <a:bodyPr>
-            <a:noAutofit/>
-          </a:bodyPr>
-          <a:lstStyle/>
-          <a:p>
-            <a:pPr marL="0" indent="0" algn="just">
-              <a:buNone/>
-            </a:pPr>
-            <a:r>
-              <a:rPr lang="en-US" sz="4000" b="1" dirty="0">
-                <a:ln w="12700">
-                  <a:solidFill>
-                    <a:schemeClr val="tx2">
-                      <a:lumMod val="75000"/>
-                    </a:schemeClr>
-                  </a:solidFill>
-                  <a:prstDash val="solid"/>
-                </a:ln>
-                <a:pattFill prst="dkUpDiag">
-                  <a:fgClr>
-                    <a:schemeClr val="tx2"/>
-                  </a:fgClr>
-                  <a:bgClr>
-                    <a:schemeClr val="tx2">
-                      <a:lumMod val="20000"/>
-                      <a:lumOff val="80000"/>
-                    </a:schemeClr>
-                  </a:bgClr>
-                </a:pattFill>
-                <a:effectLst>
-                  <a:outerShdw dist="38100" dir="2640000" algn="bl" rotWithShape="0">
-                    <a:schemeClr val="tx2">
-                      <a:lumMod val="75000"/>
-                    </a:schemeClr>
-                  </a:outerShdw>
-                </a:effectLst>
-              </a:rPr>
-              <a:t>Hypermedia as the Engine of Application State</a:t>
-            </a:r>
-            <a:endParaRPr lang="en-US" sz="4000" dirty="0"/>
-          </a:p>
-        </p:txBody>
-      </p:sp>
-      <p:sp>
-        <p:nvSpPr>
-          <p:cNvPr id="2" name="Rectangle 1"/>
-          <p:cNvSpPr/>
-          <p:nvPr/>
-        </p:nvSpPr>
-        <p:spPr>
-          <a:xfrm>
-            <a:off x="869544" y="1148414"/>
-            <a:ext cx="9140729" cy="646331"/>
-          </a:xfrm>
-          <a:prstGeom prst="rect">
-            <a:avLst/>
-          </a:prstGeom>
-        </p:spPr>
-        <p:txBody>
-          <a:bodyPr wrap="square">
-            <a:spAutoFit/>
-          </a:bodyPr>
-          <a:lstStyle/>
-          <a:p>
-            <a:pPr algn="just"/>
-            <a:r>
-              <a:rPr lang="en-US" dirty="0"/>
-              <a:t>Provides</a:t>
-            </a:r>
-            <a:r>
-              <a:rPr lang="bg-BG" dirty="0"/>
-              <a:t> </a:t>
-            </a:r>
-            <a:r>
-              <a:rPr lang="en-US" dirty="0"/>
-              <a:t>hypermedia links in the response contents so that the client can dynamically navigate to the appropriate resource by traversing the hypermedia links. </a:t>
-            </a:r>
-          </a:p>
-        </p:txBody>
-      </p:sp>
-      <p:pic>
-        <p:nvPicPr>
-          <p:cNvPr id="3" name="Picture 2"/>
-          <p:cNvPicPr>
-            <a:picLocks noChangeAspect="1"/>
-          </p:cNvPicPr>
-          <p:nvPr/>
-        </p:nvPicPr>
-        <p:blipFill>
-          <a:blip r:embed="rId3"/>
-          <a:stretch>
-            <a:fillRect/>
-          </a:stretch>
-        </p:blipFill>
-        <p:spPr>
-          <a:xfrm>
-            <a:off x="482851" y="2154354"/>
-            <a:ext cx="8124825" cy="1752600"/>
-          </a:xfrm>
-          <a:prstGeom prst="rect">
-            <a:avLst/>
-          </a:prstGeom>
-        </p:spPr>
-      </p:pic>
-      <p:pic>
-        <p:nvPicPr>
-          <p:cNvPr id="6" name="Picture 5"/>
-          <p:cNvPicPr>
-            <a:picLocks noChangeAspect="1"/>
-          </p:cNvPicPr>
-          <p:nvPr/>
-        </p:nvPicPr>
-        <p:blipFill>
-          <a:blip r:embed="rId4"/>
-          <a:stretch>
-            <a:fillRect/>
-          </a:stretch>
-        </p:blipFill>
-        <p:spPr>
-          <a:xfrm>
-            <a:off x="6587038" y="2154354"/>
-            <a:ext cx="4600575" cy="4448175"/>
-          </a:xfrm>
-          <a:prstGeom prst="rect">
-            <a:avLst/>
-          </a:prstGeom>
-        </p:spPr>
-      </p:pic>
-    </p:spTree>
-    <p:extLst>
-      <p:ext uri="{BB962C8B-B14F-4D97-AF65-F5344CB8AC3E}">
-        <p14:creationId xmlns:p14="http://schemas.microsoft.com/office/powerpoint/2010/main" val="1744031093"/>
-      </p:ext>
-    </p:extLst>
-  </p:cSld>
-  <p:clrMapOvr>
-    <a:masterClrMapping/>
-  </p:clrMapOvr>
-  <mc:AlternateContent xmlns:mc="http://schemas.openxmlformats.org/markup-compatibility/2006" xmlns:p14="http://schemas.microsoft.com/office/powerpoint/2010/main">
-    <mc:Choice Requires="p14">
-      <p:transition spd="slow" p14:dur="800">
-        <p:circle/>
-      </p:transition>
-    </mc:Choice>
-    <mc:Fallback xmlns="">
-      <p:transition spd="slow">
-        <p:circle/>
-      </p:transition>
-    </mc:Fallback>
-  </mc:AlternateContent>
-</p:sld>
-</file>
-
-<file path=ppt/slides/slide15.xml><?xml version="1.0" encoding="utf-8"?>
-<p:sld xmlns:a="http://schemas.openxmlformats.org/drawingml/2006/main" xmlns:r="http://schemas.openxmlformats.org/officeDocument/2006/relationships" xmlns:p="http://schemas.openxmlformats.org/presentationml/2006/main">
-  <p:cSld>
-    <p:spTree>
-      <p:nvGrpSpPr>
-        <p:cNvPr id="1" name=""/>
-        <p:cNvGrpSpPr/>
-        <p:nvPr/>
-      </p:nvGrpSpPr>
-      <p:grpSpPr>
-        <a:xfrm>
-          <a:off x="0" y="0"/>
-          <a:ext cx="0" cy="0"/>
-          <a:chOff x="0" y="0"/>
-          <a:chExt cx="0" cy="0"/>
-        </a:xfrm>
-      </p:grpSpPr>
-      <p:pic>
-        <p:nvPicPr>
           <p:cNvPr id="5" name="Picture 4"/>
           <p:cNvPicPr>
             <a:picLocks noChangeAspect="1"/>
@@ -4944,331 +4321,7 @@
 </p:sld>
 </file>
 
-<file path=ppt/slides/slide16.xml><?xml version="1.0" encoding="utf-8"?>
-<p:sld xmlns:a="http://schemas.openxmlformats.org/drawingml/2006/main" xmlns:r="http://schemas.openxmlformats.org/officeDocument/2006/relationships" xmlns:p="http://schemas.openxmlformats.org/presentationml/2006/main">
-  <p:cSld>
-    <p:spTree>
-      <p:nvGrpSpPr>
-        <p:cNvPr id="1" name=""/>
-        <p:cNvGrpSpPr/>
-        <p:nvPr/>
-      </p:nvGrpSpPr>
-      <p:grpSpPr>
-        <a:xfrm>
-          <a:off x="0" y="0"/>
-          <a:ext cx="0" cy="0"/>
-          <a:chOff x="0" y="0"/>
-          <a:chExt cx="0" cy="0"/>
-        </a:xfrm>
-      </p:grpSpPr>
-      <p:pic>
-        <p:nvPicPr>
-          <p:cNvPr id="5" name="Picture 4"/>
-          <p:cNvPicPr>
-            <a:picLocks noChangeAspect="1"/>
-          </p:cNvPicPr>
-          <p:nvPr/>
-        </p:nvPicPr>
-        <p:blipFill>
-          <a:blip r:embed="rId2">
-            <a:extLst>
-              <a:ext uri="{28A0092B-C50C-407E-A947-70E740481C1C}">
-                <a14:useLocalDpi xmlns:a14="http://schemas.microsoft.com/office/drawing/2010/main" val="0"/>
-              </a:ext>
-            </a:extLst>
-          </a:blip>
-          <a:stretch>
-            <a:fillRect/>
-          </a:stretch>
-        </p:blipFill>
-        <p:spPr>
-          <a:xfrm>
-            <a:off x="-54429" y="0"/>
-            <a:ext cx="12192000" cy="6858000"/>
-          </a:xfrm>
-          <a:prstGeom prst="rect">
-            <a:avLst/>
-          </a:prstGeom>
-        </p:spPr>
-      </p:pic>
-      <p:sp>
-        <p:nvSpPr>
-          <p:cNvPr id="4" name="Content Placeholder 2"/>
-          <p:cNvSpPr>
-            <a:spLocks noGrp="1"/>
-          </p:cNvSpPr>
-          <p:nvPr>
-            <p:ph idx="1"/>
-          </p:nvPr>
-        </p:nvSpPr>
-        <p:spPr>
-          <a:xfrm>
-            <a:off x="1545880" y="554219"/>
-            <a:ext cx="10042071" cy="772051"/>
-          </a:xfrm>
-        </p:spPr>
-        <p:txBody>
-          <a:bodyPr>
-            <a:noAutofit/>
-          </a:bodyPr>
-          <a:lstStyle/>
-          <a:p>
-            <a:pPr marL="0" indent="0" algn="just">
-              <a:buNone/>
-            </a:pPr>
-            <a:r>
-              <a:rPr lang="sv-SE" sz="4000" b="1" dirty="0">
-                <a:ln w="12700">
-                  <a:solidFill>
-                    <a:schemeClr val="tx2">
-                      <a:lumMod val="75000"/>
-                    </a:schemeClr>
-                  </a:solidFill>
-                  <a:prstDash val="solid"/>
-                </a:ln>
-                <a:pattFill prst="dkUpDiag">
-                  <a:fgClr>
-                    <a:schemeClr val="tx2"/>
-                  </a:fgClr>
-                  <a:bgClr>
-                    <a:schemeClr val="tx2">
-                      <a:lumMod val="20000"/>
-                      <a:lumOff val="80000"/>
-                    </a:schemeClr>
-                  </a:bgClr>
-                </a:pattFill>
-                <a:effectLst>
-                  <a:outerShdw dist="38100" dir="2640000" algn="bl" rotWithShape="0">
-                    <a:schemeClr val="tx2">
-                      <a:lumMod val="75000"/>
-                    </a:schemeClr>
-                  </a:outerShdw>
-                </a:effectLst>
-              </a:rPr>
-              <a:t>Integration testing via Kastrel and Docker</a:t>
-            </a:r>
-            <a:endParaRPr lang="en-US" sz="4000" dirty="0"/>
-          </a:p>
-        </p:txBody>
-      </p:sp>
-      <p:pic>
-        <p:nvPicPr>
-          <p:cNvPr id="7" name="Picture 6"/>
-          <p:cNvPicPr>
-            <a:picLocks noChangeAspect="1"/>
-          </p:cNvPicPr>
-          <p:nvPr/>
-        </p:nvPicPr>
-        <p:blipFill>
-          <a:blip r:embed="rId3">
-            <a:extLst>
-              <a:ext uri="{28A0092B-C50C-407E-A947-70E740481C1C}">
-                <a14:useLocalDpi xmlns:a14="http://schemas.microsoft.com/office/drawing/2010/main" val="0"/>
-              </a:ext>
-            </a:extLst>
-          </a:blip>
-          <a:stretch>
-            <a:fillRect/>
-          </a:stretch>
-        </p:blipFill>
-        <p:spPr>
-          <a:xfrm>
-            <a:off x="603456" y="1550174"/>
-            <a:ext cx="10876227" cy="5307826"/>
-          </a:xfrm>
-          <a:prstGeom prst="rect">
-            <a:avLst/>
-          </a:prstGeom>
-        </p:spPr>
-      </p:pic>
-    </p:spTree>
-    <p:extLst>
-      <p:ext uri="{BB962C8B-B14F-4D97-AF65-F5344CB8AC3E}">
-        <p14:creationId xmlns:p14="http://schemas.microsoft.com/office/powerpoint/2010/main" val="346623427"/>
-      </p:ext>
-    </p:extLst>
-  </p:cSld>
-  <p:clrMapOvr>
-    <a:masterClrMapping/>
-  </p:clrMapOvr>
-  <mc:AlternateContent xmlns:mc="http://schemas.openxmlformats.org/markup-compatibility/2006" xmlns:p14="http://schemas.microsoft.com/office/powerpoint/2010/main">
-    <mc:Choice Requires="p14">
-      <p:transition spd="slow" p14:dur="800">
-        <p:circle/>
-      </p:transition>
-    </mc:Choice>
-    <mc:Fallback xmlns="">
-      <p:transition spd="slow">
-        <p:circle/>
-      </p:transition>
-    </mc:Fallback>
-  </mc:AlternateContent>
-</p:sld>
-</file>
-
-<file path=ppt/slides/slide17.xml><?xml version="1.0" encoding="utf-8"?>
-<p:sld xmlns:a="http://schemas.openxmlformats.org/drawingml/2006/main" xmlns:r="http://schemas.openxmlformats.org/officeDocument/2006/relationships" xmlns:p="http://schemas.openxmlformats.org/presentationml/2006/main">
-  <p:cSld>
-    <p:spTree>
-      <p:nvGrpSpPr>
-        <p:cNvPr id="1" name=""/>
-        <p:cNvGrpSpPr/>
-        <p:nvPr/>
-      </p:nvGrpSpPr>
-      <p:grpSpPr>
-        <a:xfrm>
-          <a:off x="0" y="0"/>
-          <a:ext cx="0" cy="0"/>
-          <a:chOff x="0" y="0"/>
-          <a:chExt cx="0" cy="0"/>
-        </a:xfrm>
-      </p:grpSpPr>
-      <p:pic>
-        <p:nvPicPr>
-          <p:cNvPr id="5" name="Picture 4"/>
-          <p:cNvPicPr>
-            <a:picLocks noChangeAspect="1"/>
-          </p:cNvPicPr>
-          <p:nvPr/>
-        </p:nvPicPr>
-        <p:blipFill>
-          <a:blip r:embed="rId2">
-            <a:extLst>
-              <a:ext uri="{28A0092B-C50C-407E-A947-70E740481C1C}">
-                <a14:useLocalDpi xmlns:a14="http://schemas.microsoft.com/office/drawing/2010/main" val="0"/>
-              </a:ext>
-            </a:extLst>
-          </a:blip>
-          <a:stretch>
-            <a:fillRect/>
-          </a:stretch>
-        </p:blipFill>
-        <p:spPr>
-          <a:xfrm>
-            <a:off x="-54429" y="0"/>
-            <a:ext cx="12192000" cy="6858000"/>
-          </a:xfrm>
-          <a:prstGeom prst="rect">
-            <a:avLst/>
-          </a:prstGeom>
-        </p:spPr>
-      </p:pic>
-      <p:sp>
-        <p:nvSpPr>
-          <p:cNvPr id="4" name="Content Placeholder 2"/>
-          <p:cNvSpPr>
-            <a:spLocks noGrp="1"/>
-          </p:cNvSpPr>
-          <p:nvPr>
-            <p:ph idx="1"/>
-          </p:nvPr>
-        </p:nvSpPr>
-        <p:spPr>
-          <a:xfrm>
-            <a:off x="1020534" y="535931"/>
-            <a:ext cx="10042071" cy="772051"/>
-          </a:xfrm>
-        </p:spPr>
-        <p:txBody>
-          <a:bodyPr>
-            <a:noAutofit/>
-          </a:bodyPr>
-          <a:lstStyle/>
-          <a:p>
-            <a:pPr marL="0" indent="0" algn="ctr">
-              <a:buNone/>
-            </a:pPr>
-            <a:r>
-              <a:rPr lang="sv-SE" sz="4000" b="1" dirty="0">
-                <a:ln w="12700">
-                  <a:solidFill>
-                    <a:schemeClr val="tx2">
-                      <a:lumMod val="75000"/>
-                    </a:schemeClr>
-                  </a:solidFill>
-                  <a:prstDash val="solid"/>
-                </a:ln>
-                <a:pattFill prst="dkUpDiag">
-                  <a:fgClr>
-                    <a:schemeClr val="tx2"/>
-                  </a:fgClr>
-                  <a:bgClr>
-                    <a:schemeClr val="tx2">
-                      <a:lumMod val="20000"/>
-                      <a:lumOff val="80000"/>
-                    </a:schemeClr>
-                  </a:bgClr>
-                </a:pattFill>
-                <a:effectLst>
-                  <a:outerShdw dist="38100" dir="2640000" algn="bl" rotWithShape="0">
-                    <a:schemeClr val="tx2">
-                      <a:lumMod val="75000"/>
-                    </a:schemeClr>
-                  </a:outerShdw>
-                </a:effectLst>
-              </a:rPr>
-              <a:t>Health Checks UI</a:t>
-            </a:r>
-            <a:endParaRPr lang="en-US" sz="4000" dirty="0"/>
-          </a:p>
-        </p:txBody>
-      </p:sp>
-      <p:pic>
-        <p:nvPicPr>
-          <p:cNvPr id="2" name="Picture 1"/>
-          <p:cNvPicPr>
-            <a:picLocks noChangeAspect="1"/>
-          </p:cNvPicPr>
-          <p:nvPr/>
-        </p:nvPicPr>
-        <p:blipFill>
-          <a:blip r:embed="rId3">
-            <a:extLst>
-              <a:ext uri="{28A0092B-C50C-407E-A947-70E740481C1C}">
-                <a14:useLocalDpi xmlns:a14="http://schemas.microsoft.com/office/drawing/2010/main" val="0"/>
-              </a:ext>
-            </a:extLst>
-          </a:blip>
-          <a:stretch>
-            <a:fillRect/>
-          </a:stretch>
-        </p:blipFill>
-        <p:spPr>
-          <a:xfrm>
-            <a:off x="21461" y="1417710"/>
-            <a:ext cx="12040219" cy="5759746"/>
-          </a:xfrm>
-          <a:prstGeom prst="rect">
-            <a:avLst/>
-          </a:prstGeom>
-        </p:spPr>
-      </p:pic>
-    </p:spTree>
-    <p:extLst>
-      <p:ext uri="{BB962C8B-B14F-4D97-AF65-F5344CB8AC3E}">
-        <p14:creationId xmlns:p14="http://schemas.microsoft.com/office/powerpoint/2010/main" val="3392341862"/>
-      </p:ext>
-    </p:extLst>
-  </p:cSld>
-  <p:clrMapOvr>
-    <a:masterClrMapping/>
-  </p:clrMapOvr>
-  <mc:AlternateContent xmlns:mc="http://schemas.openxmlformats.org/markup-compatibility/2006" xmlns:p14="http://schemas.microsoft.com/office/powerpoint/2010/main">
-    <mc:Choice Requires="p14">
-      <p:transition spd="slow" p14:dur="800">
-        <p:circle/>
-      </p:transition>
-    </mc:Choice>
-    <mc:Fallback xmlns="">
-      <p:transition spd="slow">
-        <p:circle/>
-      </p:transition>
-    </mc:Fallback>
-  </mc:AlternateContent>
-</p:sld>
-</file>
-
-<file path=ppt/slides/slide18.xml><?xml version="1.0" encoding="utf-8"?>
+<file path=ppt/slides/slide14.xml><?xml version="1.0" encoding="utf-8"?>
 <p:sld xmlns:a="http://schemas.openxmlformats.org/drawingml/2006/main" xmlns:r="http://schemas.openxmlformats.org/officeDocument/2006/relationships" xmlns:p="http://schemas.openxmlformats.org/presentationml/2006/main">
   <p:cSld>
     <p:spTree>
@@ -5517,120 +4570,212 @@
           <a:chExt cx="0" cy="0"/>
         </a:xfrm>
       </p:grpSpPr>
+      <p:sp>
+        <p:nvSpPr>
+          <p:cNvPr id="5" name="TextBox 4">
+            <a:extLst>
+              <a:ext uri="{FF2B5EF4-FFF2-40B4-BE49-F238E27FC236}">
+                <a16:creationId xmlns:a16="http://schemas.microsoft.com/office/drawing/2014/main" id="{5774FD8A-7791-4F59-B4AE-CCF8FFBC1084}"/>
+              </a:ext>
+            </a:extLst>
+          </p:cNvPr>
+          <p:cNvSpPr txBox="1"/>
+          <p:nvPr/>
+        </p:nvSpPr>
+        <p:spPr>
+          <a:xfrm>
+            <a:off x="4628467" y="101575"/>
+            <a:ext cx="2935066" cy="369332"/>
+          </a:xfrm>
+          <a:prstGeom prst="rect">
+            <a:avLst/>
+          </a:prstGeom>
+          <a:noFill/>
+        </p:spPr>
+        <p:txBody>
+          <a:bodyPr wrap="square">
+            <a:spAutoFit/>
+          </a:bodyPr>
+          <a:lstStyle/>
+          <a:p>
+            <a:r>
+              <a:rPr lang="en-US" u="sng" dirty="0">
+                <a:solidFill>
+                  <a:schemeClr val="accent1">
+                    <a:lumMod val="75000"/>
+                  </a:schemeClr>
+                </a:solidFill>
+              </a:rPr>
+              <a:t>https://demo.realworld.io/</a:t>
+            </a:r>
+          </a:p>
+        </p:txBody>
+      </p:sp>
       <p:pic>
         <p:nvPicPr>
-          <p:cNvPr id="9" name="Picture 8"/>
+          <p:cNvPr id="7" name="Picture 6">
+            <a:extLst>
+              <a:ext uri="{FF2B5EF4-FFF2-40B4-BE49-F238E27FC236}">
+                <a16:creationId xmlns:a16="http://schemas.microsoft.com/office/drawing/2014/main" id="{C594866A-FC6E-4F83-A7E7-D15D87E11599}"/>
+              </a:ext>
+            </a:extLst>
+          </p:cNvPr>
           <p:cNvPicPr>
             <a:picLocks noChangeAspect="1"/>
           </p:cNvPicPr>
           <p:nvPr/>
         </p:nvPicPr>
         <p:blipFill>
-          <a:blip r:embed="rId2">
-            <a:extLst>
-              <a:ext uri="{28A0092B-C50C-407E-A947-70E740481C1C}">
-                <a14:useLocalDpi xmlns:a14="http://schemas.microsoft.com/office/drawing/2010/main" val="0"/>
-              </a:ext>
-            </a:extLst>
-          </a:blip>
+          <a:blip r:embed="rId2"/>
           <a:stretch>
             <a:fillRect/>
           </a:stretch>
         </p:blipFill>
         <p:spPr>
           <a:xfrm>
-            <a:off x="0" y="0"/>
-            <a:ext cx="12192000" cy="6858000"/>
+            <a:off x="0" y="1205345"/>
+            <a:ext cx="5905850" cy="5934049"/>
           </a:xfrm>
           <a:prstGeom prst="rect">
             <a:avLst/>
           </a:prstGeom>
         </p:spPr>
       </p:pic>
-      <p:sp>
-        <p:nvSpPr>
-          <p:cNvPr id="4" name="Rectangle 3">
+      <p:pic>
+        <p:nvPicPr>
+          <p:cNvPr id="9" name="Picture 8">
             <a:extLst>
               <a:ext uri="{FF2B5EF4-FFF2-40B4-BE49-F238E27FC236}">
-                <a16:creationId xmlns:a16="http://schemas.microsoft.com/office/drawing/2014/main" id="{E5997963-3C92-4CCE-9D84-6075C6F7E520}"/>
+                <a16:creationId xmlns:a16="http://schemas.microsoft.com/office/drawing/2014/main" id="{837FFC60-CAE7-45A2-80A3-5F03F66B85DB}"/>
               </a:ext>
             </a:extLst>
           </p:cNvPr>
-          <p:cNvSpPr/>
+          <p:cNvPicPr>
+            <a:picLocks noChangeAspect="1"/>
+          </p:cNvPicPr>
           <p:nvPr/>
-        </p:nvSpPr>
-        <p:spPr>
-          <a:xfrm>
-            <a:off x="1945412" y="2528966"/>
-            <a:ext cx="8619958" cy="1938992"/>
+        </p:nvPicPr>
+        <p:blipFill>
+          <a:blip r:embed="rId3"/>
+          <a:stretch>
+            <a:fillRect/>
+          </a:stretch>
+        </p:blipFill>
+        <p:spPr>
+          <a:xfrm>
+            <a:off x="5558681" y="1205344"/>
+            <a:ext cx="7623291" cy="5652655"/>
           </a:xfrm>
           <a:prstGeom prst="rect">
             <a:avLst/>
           </a:prstGeom>
         </p:spPr>
+      </p:pic>
+      <p:sp>
+        <p:nvSpPr>
+          <p:cNvPr id="11" name="TextBox 10">
+            <a:extLst>
+              <a:ext uri="{FF2B5EF4-FFF2-40B4-BE49-F238E27FC236}">
+                <a16:creationId xmlns:a16="http://schemas.microsoft.com/office/drawing/2014/main" id="{203158A7-8EA0-40CF-A131-E716FD61A3B4}"/>
+              </a:ext>
+            </a:extLst>
+          </p:cNvPr>
+          <p:cNvSpPr txBox="1"/>
+          <p:nvPr/>
+        </p:nvSpPr>
+        <p:spPr>
+          <a:xfrm>
+            <a:off x="2053205" y="645071"/>
+            <a:ext cx="9288710" cy="646331"/>
+          </a:xfrm>
+          <a:prstGeom prst="rect">
+            <a:avLst/>
+          </a:prstGeom>
+          <a:noFill/>
+        </p:spPr>
         <p:txBody>
           <a:bodyPr wrap="square">
             <a:spAutoFit/>
           </a:bodyPr>
           <a:lstStyle/>
           <a:p>
-            <a:pPr algn="ctr"/>
-            <a:r>
-              <a:rPr lang="en-US" sz="4000" b="1" dirty="0">
-                <a:ln w="12700">
-                  <a:solidFill>
-                    <a:schemeClr val="tx2">
-                      <a:lumMod val="75000"/>
-                    </a:schemeClr>
-                  </a:solidFill>
-                  <a:prstDash val="solid"/>
-                </a:ln>
-                <a:pattFill prst="dkUpDiag">
-                  <a:fgClr>
-                    <a:schemeClr val="tx2"/>
-                  </a:fgClr>
-                  <a:bgClr>
-                    <a:schemeClr val="tx2">
-                      <a:lumMod val="20000"/>
-                      <a:lumOff val="80000"/>
-                    </a:schemeClr>
-                  </a:bgClr>
-                </a:pattFill>
-                <a:effectLst>
-                  <a:outerShdw dist="38100" dir="2640000" algn="bl" rotWithShape="0">
-                    <a:schemeClr val="tx2">
-                      <a:lumMod val="75000"/>
-                    </a:schemeClr>
-                  </a:outerShdw>
-                </a:effectLst>
-              </a:rPr>
-              <a:t>the main goal of DDD ideas is to address the complexity of business logic. </a:t>
-            </a:r>
+            <a:r>
+              <a:rPr lang="bg-BG" dirty="0"/>
+              <a:t> И</a:t>
+            </a:r>
+            <a:r>
+              <a:rPr lang="en-US" dirty="0" err="1"/>
+              <a:t>зграден</a:t>
+            </a:r>
+            <a:r>
+              <a:rPr lang="en-US" dirty="0"/>
+              <a:t> с </a:t>
+            </a:r>
+            <a:r>
+              <a:rPr lang="en-US" dirty="0" err="1"/>
+              <a:t>помощта</a:t>
+            </a:r>
+            <a:r>
+              <a:rPr lang="en-US" dirty="0"/>
+              <a:t> </a:t>
+            </a:r>
+            <a:r>
+              <a:rPr lang="en-US" dirty="0" err="1"/>
+              <a:t>на</a:t>
+            </a:r>
+            <a:r>
+              <a:rPr lang="en-US" dirty="0"/>
+              <a:t> </a:t>
+            </a:r>
+            <a:r>
+              <a:rPr lang="en-US" dirty="0" err="1"/>
+              <a:t>различни</a:t>
+            </a:r>
+            <a:r>
+              <a:rPr lang="en-US" dirty="0"/>
+              <a:t> </a:t>
+            </a:r>
+            <a:r>
+              <a:rPr lang="bg-BG" dirty="0"/>
+              <a:t>технологии, които да </a:t>
+            </a:r>
+            <a:r>
+              <a:rPr lang="ru-RU" dirty="0" err="1"/>
+              <a:t>могат</a:t>
+            </a:r>
+            <a:r>
+              <a:rPr lang="ru-RU" dirty="0"/>
+              <a:t> да се </a:t>
+            </a:r>
+            <a:r>
+              <a:rPr lang="ru-RU" dirty="0" err="1"/>
+              <a:t>смесват</a:t>
+            </a:r>
+            <a:r>
+              <a:rPr lang="ru-RU" dirty="0"/>
+              <a:t> и </a:t>
+            </a:r>
+            <a:r>
+              <a:rPr lang="ru-RU" dirty="0" err="1"/>
+              <a:t>съпоставят</a:t>
+            </a:r>
+            <a:endParaRPr lang="en-US" dirty="0"/>
+          </a:p>
+          <a:p>
+            <a:endParaRPr lang="en-US" dirty="0"/>
           </a:p>
         </p:txBody>
       </p:sp>
     </p:spTree>
     <p:extLst>
       <p:ext uri="{BB962C8B-B14F-4D97-AF65-F5344CB8AC3E}">
-        <p14:creationId xmlns:p14="http://schemas.microsoft.com/office/powerpoint/2010/main" val="3623622147"/>
+        <p14:creationId xmlns:p14="http://schemas.microsoft.com/office/powerpoint/2010/main" val="3899590041"/>
       </p:ext>
     </p:extLst>
   </p:cSld>
   <p:clrMapOvr>
     <a:masterClrMapping/>
   </p:clrMapOvr>
-  <mc:AlternateContent xmlns:mc="http://schemas.openxmlformats.org/markup-compatibility/2006" xmlns:p14="http://schemas.microsoft.com/office/powerpoint/2010/main">
-    <mc:Choice Requires="p14">
-      <p:transition spd="slow" p14:dur="800">
-        <p:circle/>
-      </p:transition>
-    </mc:Choice>
-    <mc:Fallback xmlns="">
-      <p:transition spd="slow">
-        <p:circle/>
-      </p:transition>
-    </mc:Fallback>
-  </mc:AlternateContent>
 </p:sld>
 </file>
 
@@ -5653,7 +4798,13 @@
       </p:grpSpPr>
       <p:pic>
         <p:nvPicPr>
-          <p:cNvPr id="9" name="Picture 8"/>
+          <p:cNvPr id="3" name="Picture 2" descr="Diagram&#10;&#10;Description automatically generated">
+            <a:extLst>
+              <a:ext uri="{FF2B5EF4-FFF2-40B4-BE49-F238E27FC236}">
+                <a16:creationId xmlns:a16="http://schemas.microsoft.com/office/drawing/2014/main" id="{08E15EA5-ECC4-449C-A5E5-044F0AA39E61}"/>
+              </a:ext>
+            </a:extLst>
+          </p:cNvPr>
           <p:cNvPicPr>
             <a:picLocks noChangeAspect="1"/>
           </p:cNvPicPr>
@@ -5673,102 +4824,18 @@
         </p:blipFill>
         <p:spPr>
           <a:xfrm>
-            <a:off x="0" y="0"/>
-            <a:ext cx="12192000" cy="6858000"/>
+            <a:off x="42041" y="0"/>
+            <a:ext cx="12107917" cy="6858000"/>
           </a:xfrm>
           <a:prstGeom prst="rect">
             <a:avLst/>
           </a:prstGeom>
         </p:spPr>
       </p:pic>
-      <p:sp>
-        <p:nvSpPr>
-          <p:cNvPr id="4" name="Rectangle 3"/>
-          <p:cNvSpPr/>
-          <p:nvPr/>
-        </p:nvSpPr>
-        <p:spPr>
-          <a:xfrm>
-            <a:off x="1962190" y="2998750"/>
-            <a:ext cx="8619958" cy="2554545"/>
-          </a:xfrm>
-          <a:prstGeom prst="rect">
-            <a:avLst/>
-          </a:prstGeom>
-        </p:spPr>
-        <p:txBody>
-          <a:bodyPr wrap="square">
-            <a:spAutoFit/>
-          </a:bodyPr>
-          <a:lstStyle/>
-          <a:p>
-            <a:pPr algn="ctr"/>
-            <a:r>
-              <a:rPr lang="en-US" sz="4000" b="1" dirty="0">
-                <a:ln w="12700">
-                  <a:solidFill>
-                    <a:schemeClr val="tx2">
-                      <a:lumMod val="75000"/>
-                    </a:schemeClr>
-                  </a:solidFill>
-                  <a:prstDash val="solid"/>
-                </a:ln>
-                <a:pattFill prst="dkUpDiag">
-                  <a:fgClr>
-                    <a:schemeClr val="tx2"/>
-                  </a:fgClr>
-                  <a:bgClr>
-                    <a:schemeClr val="tx2">
-                      <a:lumMod val="20000"/>
-                      <a:lumOff val="80000"/>
-                    </a:schemeClr>
-                  </a:bgClr>
-                </a:pattFill>
-                <a:effectLst>
-                  <a:outerShdw dist="38100" dir="2640000" algn="bl" rotWithShape="0">
-                    <a:schemeClr val="tx2">
-                      <a:lumMod val="75000"/>
-                    </a:schemeClr>
-                  </a:outerShdw>
-                </a:effectLst>
-              </a:rPr>
-              <a:t>Ubiquitous language, bounded context, and core domain are the strategic elements and the most important parts of DDD.</a:t>
-            </a:r>
-            <a:endParaRPr lang="en-US" sz="4000" b="1" cap="none" spc="0" dirty="0">
-              <a:ln w="12700">
-                <a:solidFill>
-                  <a:schemeClr val="tx2">
-                    <a:lumMod val="75000"/>
-                  </a:schemeClr>
-                </a:solidFill>
-                <a:prstDash val="solid"/>
-              </a:ln>
-              <a:pattFill prst="dkUpDiag">
-                <a:fgClr>
-                  <a:schemeClr val="tx2"/>
-                </a:fgClr>
-                <a:bgClr>
-                  <a:schemeClr val="tx2">
-                    <a:lumMod val="20000"/>
-                    <a:lumOff val="80000"/>
-                  </a:schemeClr>
-                </a:bgClr>
-              </a:pattFill>
-              <a:effectLst>
-                <a:outerShdw dist="38100" dir="2640000" algn="bl" rotWithShape="0">
-                  <a:schemeClr val="tx2">
-                    <a:lumMod val="75000"/>
-                  </a:schemeClr>
-                </a:outerShdw>
-              </a:effectLst>
-            </a:endParaRPr>
-          </a:p>
-        </p:txBody>
-      </p:sp>
     </p:spTree>
     <p:extLst>
       <p:ext uri="{BB962C8B-B14F-4D97-AF65-F5344CB8AC3E}">
-        <p14:creationId xmlns:p14="http://schemas.microsoft.com/office/powerpoint/2010/main" val="1538936373"/>
+        <p14:creationId xmlns:p14="http://schemas.microsoft.com/office/powerpoint/2010/main" val="2782878533"/>
       </p:ext>
     </p:extLst>
   </p:cSld>
@@ -5837,57 +4904,22 @@
           </a:prstGeom>
         </p:spPr>
       </p:pic>
-      <p:pic>
-        <p:nvPicPr>
-          <p:cNvPr id="2" name="Picture 2" descr="Снимка на Катедра &quot;Финанси&quot;."/>
-          <p:cNvPicPr>
-            <a:picLocks noChangeAspect="1" noChangeArrowheads="1"/>
-          </p:cNvPicPr>
-          <p:nvPr/>
-        </p:nvPicPr>
-        <p:blipFill>
-          <a:blip r:embed="rId3" cstate="print">
+      <p:sp>
+        <p:nvSpPr>
+          <p:cNvPr id="4" name="Rectangle 3">
             <a:extLst>
-              <a:ext uri="{28A0092B-C50C-407E-A947-70E740481C1C}">
-                <a14:useLocalDpi xmlns:a14="http://schemas.microsoft.com/office/drawing/2010/main" val="0"/>
+              <a:ext uri="{FF2B5EF4-FFF2-40B4-BE49-F238E27FC236}">
+                <a16:creationId xmlns:a16="http://schemas.microsoft.com/office/drawing/2014/main" id="{E5997963-3C92-4CCE-9D84-6075C6F7E520}"/>
               </a:ext>
             </a:extLst>
-          </a:blip>
-          <a:srcRect/>
-          <a:stretch>
-            <a:fillRect/>
-          </a:stretch>
-        </p:blipFill>
-        <p:spPr bwMode="auto">
-          <a:xfrm>
-            <a:off x="2078700" y="0"/>
-            <a:ext cx="7606812" cy="5705109"/>
-          </a:xfrm>
-          <a:prstGeom prst="rect">
-            <a:avLst/>
-          </a:prstGeom>
-          <a:noFill/>
-          <a:extLst>
-            <a:ext uri="{909E8E84-426E-40DD-AFC4-6F175D3DCCD1}">
-              <a14:hiddenFill xmlns:a14="http://schemas.microsoft.com/office/drawing/2010/main">
-                <a:solidFill>
-                  <a:srgbClr val="FFFFFF"/>
-                </a:solidFill>
-              </a14:hiddenFill>
-            </a:ext>
-          </a:extLst>
-        </p:spPr>
-      </p:pic>
-      <p:sp>
-        <p:nvSpPr>
-          <p:cNvPr id="5" name="Rectangle 4"/>
+          </p:cNvPr>
           <p:cNvSpPr/>
           <p:nvPr/>
         </p:nvSpPr>
         <p:spPr>
           <a:xfrm>
-            <a:off x="1802746" y="5682925"/>
-            <a:ext cx="8619958" cy="707886"/>
+            <a:off x="1945412" y="2528966"/>
+            <a:ext cx="8619958" cy="1938992"/>
           </a:xfrm>
           <a:prstGeom prst="rect">
             <a:avLst/>
@@ -5929,220 +4961,15 @@
                   </a:outerShdw>
                 </a:effectLst>
               </a:rPr>
-              <a:t>Workshop “</a:t>
-            </a:r>
-            <a:r>
-              <a:rPr lang="bg-BG" sz="4000" b="1" dirty="0">
-                <a:ln w="12700">
-                  <a:solidFill>
-                    <a:schemeClr val="tx2">
-                      <a:lumMod val="75000"/>
-                    </a:schemeClr>
-                  </a:solidFill>
-                  <a:prstDash val="solid"/>
-                </a:ln>
-                <a:pattFill prst="dkUpDiag">
-                  <a:fgClr>
-                    <a:schemeClr val="tx2"/>
-                  </a:fgClr>
-                  <a:bgClr>
-                    <a:schemeClr val="tx2">
-                      <a:lumMod val="20000"/>
-                      <a:lumOff val="80000"/>
-                    </a:schemeClr>
-                  </a:bgClr>
-                </a:pattFill>
-                <a:effectLst>
-                  <a:outerShdw dist="38100" dir="2640000" algn="bl" rotWithShape="0">
-                    <a:schemeClr val="tx2">
-                      <a:lumMod val="75000"/>
-                    </a:schemeClr>
-                  </a:outerShdw>
-                </a:effectLst>
-              </a:rPr>
-              <a:t>Спечели това интервю!</a:t>
-            </a:r>
-            <a:r>
-              <a:rPr lang="en-US" sz="4000" b="1" dirty="0">
-                <a:ln w="12700">
-                  <a:solidFill>
-                    <a:schemeClr val="tx2">
-                      <a:lumMod val="75000"/>
-                    </a:schemeClr>
-                  </a:solidFill>
-                  <a:prstDash val="solid"/>
-                </a:ln>
-                <a:pattFill prst="dkUpDiag">
-                  <a:fgClr>
-                    <a:schemeClr val="tx2"/>
-                  </a:fgClr>
-                  <a:bgClr>
-                    <a:schemeClr val="tx2">
-                      <a:lumMod val="20000"/>
-                      <a:lumOff val="80000"/>
-                    </a:schemeClr>
-                  </a:bgClr>
-                </a:pattFill>
-                <a:effectLst>
-                  <a:outerShdw dist="38100" dir="2640000" algn="bl" rotWithShape="0">
-                    <a:schemeClr val="tx2">
-                      <a:lumMod val="75000"/>
-                    </a:schemeClr>
-                  </a:outerShdw>
-                </a:effectLst>
-              </a:rPr>
-              <a:t>” </a:t>
-            </a:r>
-            <a:endParaRPr lang="en-US" sz="4000" b="1" cap="none" spc="0" dirty="0">
-              <a:ln w="12700">
-                <a:solidFill>
-                  <a:schemeClr val="tx2">
-                    <a:lumMod val="75000"/>
-                  </a:schemeClr>
-                </a:solidFill>
-                <a:prstDash val="solid"/>
-              </a:ln>
-              <a:pattFill prst="dkUpDiag">
-                <a:fgClr>
-                  <a:schemeClr val="tx2"/>
-                </a:fgClr>
-                <a:bgClr>
-                  <a:schemeClr val="tx2">
-                    <a:lumMod val="20000"/>
-                    <a:lumOff val="80000"/>
-                  </a:schemeClr>
-                </a:bgClr>
-              </a:pattFill>
-              <a:effectLst>
-                <a:outerShdw dist="38100" dir="2640000" algn="bl" rotWithShape="0">
-                  <a:schemeClr val="tx2">
-                    <a:lumMod val="75000"/>
-                  </a:schemeClr>
-                </a:outerShdw>
-              </a:effectLst>
-            </a:endParaRPr>
-          </a:p>
-        </p:txBody>
-      </p:sp>
-      <p:sp>
-        <p:nvSpPr>
-          <p:cNvPr id="6" name="Rectangle 5"/>
-          <p:cNvSpPr/>
-          <p:nvPr/>
-        </p:nvSpPr>
-        <p:spPr>
-          <a:xfrm>
-            <a:off x="1572127" y="6295198"/>
-            <a:ext cx="8619958" cy="584775"/>
-          </a:xfrm>
-          <a:prstGeom prst="rect">
-            <a:avLst/>
-          </a:prstGeom>
-        </p:spPr>
-        <p:txBody>
-          <a:bodyPr wrap="square">
-            <a:spAutoFit/>
-          </a:bodyPr>
-          <a:lstStyle/>
-          <a:p>
-            <a:pPr algn="ctr"/>
-            <a:r>
-              <a:rPr lang="bg-BG" sz="3200" b="1" dirty="0">
-                <a:ln w="12700">
-                  <a:solidFill>
-                    <a:schemeClr val="tx2">
-                      <a:lumMod val="75000"/>
-                    </a:schemeClr>
-                  </a:solidFill>
-                  <a:prstDash val="solid"/>
-                </a:ln>
-                <a:pattFill prst="dkUpDiag">
-                  <a:fgClr>
-                    <a:schemeClr val="tx2"/>
-                  </a:fgClr>
-                  <a:bgClr>
-                    <a:schemeClr val="tx2">
-                      <a:lumMod val="20000"/>
-                      <a:lumOff val="80000"/>
-                    </a:schemeClr>
-                  </a:bgClr>
-                </a:pattFill>
-                <a:effectLst>
-                  <a:outerShdw dist="38100" dir="2640000" algn="bl" rotWithShape="0">
-                    <a:schemeClr val="tx2">
-                      <a:lumMod val="75000"/>
-                    </a:schemeClr>
-                  </a:outerShdw>
-                </a:effectLst>
-              </a:rPr>
-              <a:t>ИУ-Варна, зала 316</a:t>
-            </a:r>
-            <a:r>
-              <a:rPr lang="en-US" sz="3200" b="1" dirty="0">
-                <a:ln w="12700">
-                  <a:solidFill>
-                    <a:schemeClr val="tx2">
-                      <a:lumMod val="75000"/>
-                    </a:schemeClr>
-                  </a:solidFill>
-                  <a:prstDash val="solid"/>
-                </a:ln>
-                <a:pattFill prst="dkUpDiag">
-                  <a:fgClr>
-                    <a:schemeClr val="tx2"/>
-                  </a:fgClr>
-                  <a:bgClr>
-                    <a:schemeClr val="tx2">
-                      <a:lumMod val="20000"/>
-                      <a:lumOff val="80000"/>
-                    </a:schemeClr>
-                  </a:bgClr>
-                </a:pattFill>
-                <a:effectLst>
-                  <a:outerShdw dist="38100" dir="2640000" algn="bl" rotWithShape="0">
-                    <a:schemeClr val="tx2">
-                      <a:lumMod val="75000"/>
-                    </a:schemeClr>
-                  </a:outerShdw>
-                </a:effectLst>
-              </a:rPr>
-              <a:t> </a:t>
-            </a:r>
-            <a:endParaRPr lang="en-US" sz="3200" b="1" cap="none" spc="0" dirty="0">
-              <a:ln w="12700">
-                <a:solidFill>
-                  <a:schemeClr val="tx2">
-                    <a:lumMod val="75000"/>
-                  </a:schemeClr>
-                </a:solidFill>
-                <a:prstDash val="solid"/>
-              </a:ln>
-              <a:pattFill prst="dkUpDiag">
-                <a:fgClr>
-                  <a:schemeClr val="tx2"/>
-                </a:fgClr>
-                <a:bgClr>
-                  <a:schemeClr val="tx2">
-                    <a:lumMod val="20000"/>
-                    <a:lumOff val="80000"/>
-                  </a:schemeClr>
-                </a:bgClr>
-              </a:pattFill>
-              <a:effectLst>
-                <a:outerShdw dist="38100" dir="2640000" algn="bl" rotWithShape="0">
-                  <a:schemeClr val="tx2">
-                    <a:lumMod val="75000"/>
-                  </a:schemeClr>
-                </a:outerShdw>
-              </a:effectLst>
-            </a:endParaRPr>
+              <a:t>the main goal of DDD ideas is to address the complexity of business logic. </a:t>
+            </a:r>
           </a:p>
         </p:txBody>
       </p:sp>
     </p:spTree>
     <p:extLst>
       <p:ext uri="{BB962C8B-B14F-4D97-AF65-F5344CB8AC3E}">
-        <p14:creationId xmlns:p14="http://schemas.microsoft.com/office/powerpoint/2010/main" val="2848692919"/>
+        <p14:creationId xmlns:p14="http://schemas.microsoft.com/office/powerpoint/2010/main" val="3623622147"/>
       </p:ext>
     </p:extLst>
   </p:cSld>
@@ -6213,14 +5040,14 @@
       </p:pic>
       <p:sp>
         <p:nvSpPr>
-          <p:cNvPr id="5" name="Rectangle 4"/>
+          <p:cNvPr id="4" name="Rectangle 3"/>
           <p:cNvSpPr/>
           <p:nvPr/>
         </p:nvSpPr>
         <p:spPr>
           <a:xfrm>
-            <a:off x="1802746" y="5682925"/>
-            <a:ext cx="8619958" cy="707886"/>
+            <a:off x="1962190" y="2998750"/>
+            <a:ext cx="8619958" cy="2554545"/>
           </a:xfrm>
           <a:prstGeom prst="rect">
             <a:avLst/>
@@ -6233,37 +5060,6 @@
           <a:lstStyle/>
           <a:p>
             <a:pPr algn="ctr"/>
-            <a:r>
-              <a:rPr lang="en-US" sz="4000" b="1" dirty="0" err="1">
-                <a:ln w="12700">
-                  <a:solidFill>
-                    <a:schemeClr val="tx2">
-                      <a:lumMod val="75000"/>
-                    </a:schemeClr>
-                  </a:solidFill>
-                  <a:prstDash val="solid"/>
-                </a:ln>
-                <a:pattFill prst="dkUpDiag">
-                  <a:fgClr>
-                    <a:schemeClr val="tx2"/>
-                  </a:fgClr>
-                  <a:bgClr>
-                    <a:schemeClr val="tx2">
-                      <a:lumMod val="20000"/>
-                      <a:lumOff val="80000"/>
-                    </a:schemeClr>
-                  </a:bgClr>
-                </a:pattFill>
-                <a:effectLst>
-                  <a:outerShdw dist="38100" dir="2640000" algn="bl" rotWithShape="0">
-                    <a:schemeClr val="tx2">
-                      <a:lumMod val="75000"/>
-                    </a:schemeClr>
-                  </a:outerShdw>
-                </a:effectLst>
-              </a:rPr>
-              <a:t>SoftUniada</a:t>
-            </a:r>
             <a:r>
               <a:rPr lang="en-US" sz="4000" b="1" dirty="0">
                 <a:ln w="12700">
@@ -6293,7 +5089,7 @@
                   </a:outerShdw>
                 </a:effectLst>
               </a:rPr>
-              <a:t> 2020</a:t>
+              <a:t>Ubiquitous language, bounded context, and core domain are the strategic elements and the most important parts of DDD.</a:t>
             </a:r>
             <a:endParaRPr lang="en-US" sz="4000" b="1" cap="none" spc="0" dirty="0">
               <a:ln w="12700">
@@ -6326,51 +5122,10 @@
           </a:p>
         </p:txBody>
       </p:sp>
-      <p:pic>
-        <p:nvPicPr>
-          <p:cNvPr id="2050" name="Picture 2" descr="Снимка на Jordan Jordanov."/>
-          <p:cNvPicPr>
-            <a:picLocks noChangeAspect="1" noChangeArrowheads="1"/>
-          </p:cNvPicPr>
-          <p:nvPr/>
-        </p:nvPicPr>
-        <p:blipFill>
-          <a:blip r:embed="rId3">
-            <a:extLst>
-              <a:ext uri="{28A0092B-C50C-407E-A947-70E740481C1C}">
-                <a14:useLocalDpi xmlns:a14="http://schemas.microsoft.com/office/drawing/2010/main" val="0"/>
-              </a:ext>
-            </a:extLst>
-          </a:blip>
-          <a:srcRect/>
-          <a:stretch>
-            <a:fillRect/>
-          </a:stretch>
-        </p:blipFill>
-        <p:spPr bwMode="auto">
-          <a:xfrm>
-            <a:off x="1816950" y="0"/>
-            <a:ext cx="8591550" cy="5727700"/>
-          </a:xfrm>
-          <a:prstGeom prst="rect">
-            <a:avLst/>
-          </a:prstGeom>
-          <a:noFill/>
-          <a:extLst>
-            <a:ext uri="{909E8E84-426E-40DD-AFC4-6F175D3DCCD1}">
-              <a14:hiddenFill xmlns:a14="http://schemas.microsoft.com/office/drawing/2010/main">
-                <a:solidFill>
-                  <a:srgbClr val="FFFFFF"/>
-                </a:solidFill>
-              </a14:hiddenFill>
-            </a:ext>
-          </a:extLst>
-        </p:spPr>
-      </p:pic>
     </p:spTree>
     <p:extLst>
       <p:ext uri="{BB962C8B-B14F-4D97-AF65-F5344CB8AC3E}">
-        <p14:creationId xmlns:p14="http://schemas.microsoft.com/office/powerpoint/2010/main" val="3501231840"/>
+        <p14:creationId xmlns:p14="http://schemas.microsoft.com/office/powerpoint/2010/main" val="1538936373"/>
       </p:ext>
     </p:extLst>
   </p:cSld>
@@ -6432,17 +5187,126 @@
         <p:spPr>
           <a:xfrm>
             <a:off x="0" y="0"/>
-            <a:ext cx="12192001" cy="6901603"/>
+            <a:ext cx="12192000" cy="6858000"/>
           </a:xfrm>
           <a:prstGeom prst="rect">
             <a:avLst/>
           </a:prstGeom>
         </p:spPr>
       </p:pic>
+      <p:pic>
+        <p:nvPicPr>
+          <p:cNvPr id="7" name="Picture 6"/>
+          <p:cNvPicPr>
+            <a:picLocks noChangeAspect="1"/>
+          </p:cNvPicPr>
+          <p:nvPr/>
+        </p:nvPicPr>
+        <p:blipFill>
+          <a:blip r:embed="rId3"/>
+          <a:stretch>
+            <a:fillRect/>
+          </a:stretch>
+        </p:blipFill>
+        <p:spPr>
+          <a:xfrm>
+            <a:off x="2125436" y="4627109"/>
+            <a:ext cx="8115300" cy="1762125"/>
+          </a:xfrm>
+          <a:prstGeom prst="rect">
+            <a:avLst/>
+          </a:prstGeom>
+        </p:spPr>
+      </p:pic>
+      <p:sp>
+        <p:nvSpPr>
+          <p:cNvPr id="8" name="Rectangle 7"/>
+          <p:cNvSpPr/>
+          <p:nvPr/>
+        </p:nvSpPr>
+        <p:spPr>
+          <a:xfrm>
+            <a:off x="1786021" y="2656896"/>
+            <a:ext cx="8619958" cy="1323439"/>
+          </a:xfrm>
+          <a:prstGeom prst="rect">
+            <a:avLst/>
+          </a:prstGeom>
+        </p:spPr>
+        <p:txBody>
+          <a:bodyPr wrap="square">
+            <a:spAutoFit/>
+          </a:bodyPr>
+          <a:lstStyle/>
+          <a:p>
+            <a:pPr algn="ctr"/>
+            <a:r>
+              <a:rPr lang="en-US" sz="4000" b="1" cap="none" spc="0" dirty="0">
+                <a:ln w="12700">
+                  <a:solidFill>
+                    <a:schemeClr val="tx2">
+                      <a:lumMod val="75000"/>
+                    </a:schemeClr>
+                  </a:solidFill>
+                  <a:prstDash val="solid"/>
+                </a:ln>
+                <a:pattFill prst="dkUpDiag">
+                  <a:fgClr>
+                    <a:schemeClr val="tx2"/>
+                  </a:fgClr>
+                  <a:bgClr>
+                    <a:schemeClr val="tx2">
+                      <a:lumMod val="20000"/>
+                      <a:lumOff val="80000"/>
+                    </a:schemeClr>
+                  </a:bgClr>
+                </a:pattFill>
+                <a:effectLst>
+                  <a:outerShdw dist="38100" dir="2640000" algn="bl" rotWithShape="0">
+                    <a:schemeClr val="tx2">
+                      <a:lumMod val="75000"/>
+                    </a:schemeClr>
+                  </a:outerShdw>
+                </a:effectLst>
+              </a:rPr>
+              <a:t>Command and Query Responsibility Segregation</a:t>
+            </a:r>
+          </a:p>
+        </p:txBody>
+      </p:sp>
+      <p:sp>
+        <p:nvSpPr>
+          <p:cNvPr id="9" name="TextBox 8"/>
+          <p:cNvSpPr txBox="1"/>
+          <p:nvPr/>
+        </p:nvSpPr>
+        <p:spPr>
+          <a:xfrm>
+            <a:off x="5312229" y="4182836"/>
+            <a:ext cx="2024743" cy="369332"/>
+          </a:xfrm>
+          <a:prstGeom prst="rect">
+            <a:avLst/>
+          </a:prstGeom>
+          <a:noFill/>
+        </p:spPr>
+        <p:txBody>
+          <a:bodyPr wrap="square" rtlCol="0">
+            <a:spAutoFit/>
+          </a:bodyPr>
+          <a:lstStyle/>
+          <a:p>
+            <a:r>
+              <a:rPr lang="en-US" dirty="0"/>
+              <a:t>Implemented by</a:t>
+            </a:r>
+          </a:p>
+        </p:txBody>
+      </p:sp>
     </p:spTree>
     <p:extLst>
       <p:ext uri="{BB962C8B-B14F-4D97-AF65-F5344CB8AC3E}">
-        <p14:creationId xmlns:p14="http://schemas.microsoft.com/office/powerpoint/2010/main" val="2782878533"/>
+        <p14:creationId xmlns:p14="http://schemas.microsoft.com/office/powerpoint/2010/main" val="1626103811"/>
       </p:ext>
     </p:extLst>
   </p:cSld>
@@ -6483,86 +5347,768 @@
       </p:grpSpPr>
       <p:pic>
         <p:nvPicPr>
-          <p:cNvPr id="5" name="Picture 4"/>
+          <p:cNvPr id="4" name="Picture 3"/>
           <p:cNvPicPr>
             <a:picLocks noChangeAspect="1"/>
           </p:cNvPicPr>
           <p:nvPr/>
         </p:nvPicPr>
         <p:blipFill>
-          <a:blip r:embed="rId2">
+          <a:blip r:embed="rId2"/>
+          <a:stretch>
+            <a:fillRect/>
+          </a:stretch>
+        </p:blipFill>
+        <p:spPr>
+          <a:xfrm>
+            <a:off x="6747499" y="592622"/>
+            <a:ext cx="5248275" cy="4800600"/>
+          </a:xfrm>
+          <a:prstGeom prst="rect">
+            <a:avLst/>
+          </a:prstGeom>
+        </p:spPr>
+      </p:pic>
+      <p:sp>
+        <p:nvSpPr>
+          <p:cNvPr id="8" name="Left Arrow 7"/>
+          <p:cNvSpPr/>
+          <p:nvPr/>
+        </p:nvSpPr>
+        <p:spPr>
+          <a:xfrm>
+            <a:off x="3946357" y="513349"/>
+            <a:ext cx="3170110" cy="406400"/>
+          </a:xfrm>
+          <a:prstGeom prst="leftArrow">
+            <a:avLst/>
+          </a:prstGeom>
+        </p:spPr>
+        <p:style>
+          <a:lnRef idx="1">
+            <a:schemeClr val="accent3"/>
+          </a:lnRef>
+          <a:fillRef idx="2">
+            <a:schemeClr val="accent3"/>
+          </a:fillRef>
+          <a:effectRef idx="1">
+            <a:schemeClr val="accent3"/>
+          </a:effectRef>
+          <a:fontRef idx="minor">
+            <a:schemeClr val="dk1"/>
+          </a:fontRef>
+        </p:style>
+        <p:txBody>
+          <a:bodyPr rtlCol="0" anchor="ctr"/>
+          <a:lstStyle/>
+          <a:p>
+            <a:pPr algn="ctr"/>
+            <a:endParaRPr lang="en-US"/>
+          </a:p>
+        </p:txBody>
+      </p:sp>
+      <p:sp>
+        <p:nvSpPr>
+          <p:cNvPr id="9" name="Left Arrow 8"/>
+          <p:cNvSpPr/>
+          <p:nvPr/>
+        </p:nvSpPr>
+        <p:spPr>
+          <a:xfrm>
+            <a:off x="4195009" y="1574802"/>
+            <a:ext cx="3170110" cy="406400"/>
+          </a:xfrm>
+          <a:prstGeom prst="leftArrow">
+            <a:avLst/>
+          </a:prstGeom>
+        </p:spPr>
+        <p:style>
+          <a:lnRef idx="1">
+            <a:schemeClr val="accent3"/>
+          </a:lnRef>
+          <a:fillRef idx="2">
+            <a:schemeClr val="accent3"/>
+          </a:fillRef>
+          <a:effectRef idx="1">
+            <a:schemeClr val="accent3"/>
+          </a:effectRef>
+          <a:fontRef idx="minor">
+            <a:schemeClr val="dk1"/>
+          </a:fontRef>
+        </p:style>
+        <p:txBody>
+          <a:bodyPr rtlCol="0" anchor="ctr"/>
+          <a:lstStyle/>
+          <a:p>
+            <a:pPr algn="ctr"/>
+            <a:endParaRPr lang="en-US"/>
+          </a:p>
+        </p:txBody>
+      </p:sp>
+      <p:sp>
+        <p:nvSpPr>
+          <p:cNvPr id="10" name="Left Arrow 9"/>
+          <p:cNvSpPr/>
+          <p:nvPr/>
+        </p:nvSpPr>
+        <p:spPr>
+          <a:xfrm>
+            <a:off x="4724398" y="2138950"/>
+            <a:ext cx="3170110" cy="406400"/>
+          </a:xfrm>
+          <a:prstGeom prst="leftArrow">
+            <a:avLst/>
+          </a:prstGeom>
+        </p:spPr>
+        <p:style>
+          <a:lnRef idx="1">
+            <a:schemeClr val="accent3"/>
+          </a:lnRef>
+          <a:fillRef idx="2">
+            <a:schemeClr val="accent3"/>
+          </a:fillRef>
+          <a:effectRef idx="1">
+            <a:schemeClr val="accent3"/>
+          </a:effectRef>
+          <a:fontRef idx="minor">
+            <a:schemeClr val="dk1"/>
+          </a:fontRef>
+        </p:style>
+        <p:txBody>
+          <a:bodyPr rtlCol="0" anchor="ctr"/>
+          <a:lstStyle/>
+          <a:p>
+            <a:pPr algn="ctr"/>
+            <a:endParaRPr lang="en-US"/>
+          </a:p>
+        </p:txBody>
+      </p:sp>
+      <p:sp>
+        <p:nvSpPr>
+          <p:cNvPr id="11" name="Left Arrow 10"/>
+          <p:cNvSpPr/>
+          <p:nvPr/>
+        </p:nvSpPr>
+        <p:spPr>
+          <a:xfrm>
+            <a:off x="4724398" y="2658582"/>
+            <a:ext cx="3170110" cy="406400"/>
+          </a:xfrm>
+          <a:prstGeom prst="leftArrow">
+            <a:avLst/>
+          </a:prstGeom>
+        </p:spPr>
+        <p:style>
+          <a:lnRef idx="1">
+            <a:schemeClr val="accent3"/>
+          </a:lnRef>
+          <a:fillRef idx="2">
+            <a:schemeClr val="accent3"/>
+          </a:fillRef>
+          <a:effectRef idx="1">
+            <a:schemeClr val="accent3"/>
+          </a:effectRef>
+          <a:fontRef idx="minor">
+            <a:schemeClr val="dk1"/>
+          </a:fontRef>
+        </p:style>
+        <p:txBody>
+          <a:bodyPr rtlCol="0" anchor="ctr"/>
+          <a:lstStyle/>
+          <a:p>
+            <a:pPr algn="ctr"/>
+            <a:endParaRPr lang="en-US"/>
+          </a:p>
+        </p:txBody>
+      </p:sp>
+      <p:sp>
+        <p:nvSpPr>
+          <p:cNvPr id="13" name="Left Arrow 12"/>
+          <p:cNvSpPr/>
+          <p:nvPr/>
+        </p:nvSpPr>
+        <p:spPr>
+          <a:xfrm>
+            <a:off x="3996908" y="3425930"/>
+            <a:ext cx="3897600" cy="406400"/>
+          </a:xfrm>
+          <a:prstGeom prst="leftArrow">
+            <a:avLst/>
+          </a:prstGeom>
+        </p:spPr>
+        <p:style>
+          <a:lnRef idx="1">
+            <a:schemeClr val="accent3"/>
+          </a:lnRef>
+          <a:fillRef idx="2">
+            <a:schemeClr val="accent3"/>
+          </a:fillRef>
+          <a:effectRef idx="1">
+            <a:schemeClr val="accent3"/>
+          </a:effectRef>
+          <a:fontRef idx="minor">
+            <a:schemeClr val="dk1"/>
+          </a:fontRef>
+        </p:style>
+        <p:txBody>
+          <a:bodyPr rtlCol="0" anchor="ctr"/>
+          <a:lstStyle/>
+          <a:p>
+            <a:pPr algn="ctr"/>
+            <a:endParaRPr lang="en-US"/>
+          </a:p>
+        </p:txBody>
+      </p:sp>
+      <p:sp>
+        <p:nvSpPr>
+          <p:cNvPr id="14" name="TextBox 13"/>
+          <p:cNvSpPr txBox="1"/>
+          <p:nvPr/>
+        </p:nvSpPr>
+        <p:spPr>
+          <a:xfrm>
+            <a:off x="1048216" y="531883"/>
+            <a:ext cx="2948692" cy="369332"/>
+          </a:xfrm>
+          <a:prstGeom prst="rect">
+            <a:avLst/>
+          </a:prstGeom>
+          <a:noFill/>
+        </p:spPr>
+        <p:txBody>
+          <a:bodyPr wrap="none" rtlCol="0">
+            <a:spAutoFit/>
+          </a:bodyPr>
+          <a:lstStyle/>
+          <a:p>
+            <a:r>
+              <a:rPr lang="en-US" dirty="0"/>
+              <a:t>Personality Tests Web Service</a:t>
+            </a:r>
+          </a:p>
+        </p:txBody>
+      </p:sp>
+      <p:sp>
+        <p:nvSpPr>
+          <p:cNvPr id="15" name="TextBox 14"/>
+          <p:cNvSpPr txBox="1"/>
+          <p:nvPr/>
+        </p:nvSpPr>
+        <p:spPr>
+          <a:xfrm>
+            <a:off x="1048216" y="1334473"/>
+            <a:ext cx="3751668" cy="646331"/>
+          </a:xfrm>
+          <a:prstGeom prst="rect">
+            <a:avLst/>
+          </a:prstGeom>
+          <a:noFill/>
+        </p:spPr>
+        <p:txBody>
+          <a:bodyPr wrap="none" rtlCol="0">
+            <a:spAutoFit/>
+          </a:bodyPr>
+          <a:lstStyle/>
+          <a:p>
+            <a:pPr algn="ctr"/>
+            <a:r>
+              <a:rPr lang="en-US" b="1" dirty="0"/>
+              <a:t>Bounded Context </a:t>
+            </a:r>
+            <a:r>
+              <a:rPr lang="en-US" dirty="0"/>
+              <a:t>is central pattern in</a:t>
+            </a:r>
+          </a:p>
+          <a:p>
+            <a:pPr algn="ctr"/>
+            <a:r>
+              <a:rPr lang="en-US" dirty="0"/>
+              <a:t> the Domain-Driven Design</a:t>
+            </a:r>
+          </a:p>
+        </p:txBody>
+      </p:sp>
+      <p:sp>
+        <p:nvSpPr>
+          <p:cNvPr id="16" name="Left Arrow 15"/>
+          <p:cNvSpPr/>
+          <p:nvPr/>
+        </p:nvSpPr>
+        <p:spPr>
+          <a:xfrm>
+            <a:off x="4724398" y="4247054"/>
+            <a:ext cx="3170110" cy="406400"/>
+          </a:xfrm>
+          <a:prstGeom prst="leftArrow">
+            <a:avLst/>
+          </a:prstGeom>
+        </p:spPr>
+        <p:style>
+          <a:lnRef idx="1">
+            <a:schemeClr val="accent3"/>
+          </a:lnRef>
+          <a:fillRef idx="2">
+            <a:schemeClr val="accent3"/>
+          </a:fillRef>
+          <a:effectRef idx="1">
+            <a:schemeClr val="accent3"/>
+          </a:effectRef>
+          <a:fontRef idx="minor">
+            <a:schemeClr val="dk1"/>
+          </a:fontRef>
+        </p:style>
+        <p:txBody>
+          <a:bodyPr rtlCol="0" anchor="ctr"/>
+          <a:lstStyle/>
+          <a:p>
+            <a:pPr algn="ctr"/>
+            <a:endParaRPr lang="en-US"/>
+          </a:p>
+        </p:txBody>
+      </p:sp>
+      <p:sp>
+        <p:nvSpPr>
+          <p:cNvPr id="18" name="Rectangle 17"/>
+          <p:cNvSpPr/>
+          <p:nvPr/>
+        </p:nvSpPr>
+        <p:spPr>
+          <a:xfrm>
+            <a:off x="96251" y="2110081"/>
+            <a:ext cx="6443579" cy="646331"/>
+          </a:xfrm>
+          <a:prstGeom prst="rect">
+            <a:avLst/>
+          </a:prstGeom>
+        </p:spPr>
+        <p:txBody>
+          <a:bodyPr wrap="square">
+            <a:spAutoFit/>
+          </a:bodyPr>
+          <a:lstStyle/>
+          <a:p>
+            <a:r>
+              <a:rPr lang="en-US" dirty="0"/>
+              <a:t>A </a:t>
+            </a:r>
+            <a:r>
+              <a:rPr lang="en-US" b="1" dirty="0"/>
+              <a:t>command handler </a:t>
+            </a:r>
+            <a:r>
+              <a:rPr lang="en-US" dirty="0"/>
+              <a:t>receives a command and </a:t>
+            </a:r>
+          </a:p>
+          <a:p>
+            <a:r>
+              <a:rPr lang="en-US" dirty="0"/>
+              <a:t>brokers a result. The result is either a successful or an exception.</a:t>
+            </a:r>
+          </a:p>
+        </p:txBody>
+      </p:sp>
+      <p:sp>
+        <p:nvSpPr>
+          <p:cNvPr id="19" name="Rectangle 18"/>
+          <p:cNvSpPr/>
+          <p:nvPr/>
+        </p:nvSpPr>
+        <p:spPr>
+          <a:xfrm>
+            <a:off x="491956" y="2686162"/>
+            <a:ext cx="6096000" cy="646331"/>
+          </a:xfrm>
+          <a:prstGeom prst="rect">
+            <a:avLst/>
+          </a:prstGeom>
+        </p:spPr>
+        <p:txBody>
+          <a:bodyPr>
+            <a:spAutoFit/>
+          </a:bodyPr>
+          <a:lstStyle/>
+          <a:p>
+            <a:r>
+              <a:rPr lang="en-US" b="1" i="0" dirty="0">
+                <a:solidFill>
+                  <a:srgbClr val="24292E"/>
+                </a:solidFill>
+                <a:effectLst/>
+              </a:rPr>
+              <a:t>Commands</a:t>
+            </a:r>
+            <a:r>
+              <a:rPr lang="en-US" b="0" i="0" dirty="0">
+                <a:solidFill>
+                  <a:srgbClr val="24292E"/>
+                </a:solidFill>
+                <a:effectLst/>
+              </a:rPr>
+              <a:t> are responsible for </a:t>
+            </a:r>
+            <a:r>
+              <a:rPr lang="en-US" b="1" i="0" dirty="0">
+                <a:solidFill>
+                  <a:srgbClr val="24292E"/>
+                </a:solidFill>
+                <a:effectLst/>
+              </a:rPr>
+              <a:t>changing</a:t>
+            </a:r>
+            <a:r>
+              <a:rPr lang="en-US" b="0" i="0" dirty="0">
+                <a:solidFill>
+                  <a:srgbClr val="24292E"/>
+                </a:solidFill>
+                <a:effectLst/>
+              </a:rPr>
+              <a:t> the </a:t>
+            </a:r>
+          </a:p>
+          <a:p>
+            <a:r>
+              <a:rPr lang="en-US" b="0" i="0" dirty="0">
+                <a:solidFill>
+                  <a:srgbClr val="24292E"/>
+                </a:solidFill>
+                <a:effectLst/>
+              </a:rPr>
+              <a:t>application state, i.e. creating, updating and deleting entities.</a:t>
+            </a:r>
+            <a:endParaRPr lang="en-US" dirty="0"/>
+          </a:p>
+        </p:txBody>
+      </p:sp>
+      <p:sp>
+        <p:nvSpPr>
+          <p:cNvPr id="20" name="Rectangle 19"/>
+          <p:cNvSpPr/>
+          <p:nvPr/>
+        </p:nvSpPr>
+        <p:spPr>
+          <a:xfrm>
+            <a:off x="213453" y="3466608"/>
+            <a:ext cx="6096000" cy="646331"/>
+          </a:xfrm>
+          <a:prstGeom prst="rect">
+            <a:avLst/>
+          </a:prstGeom>
+        </p:spPr>
+        <p:txBody>
+          <a:bodyPr>
+            <a:spAutoFit/>
+          </a:bodyPr>
+          <a:lstStyle/>
+          <a:p>
+            <a:r>
+              <a:rPr lang="en-US" b="1" i="0" dirty="0">
+                <a:solidFill>
+                  <a:srgbClr val="24292E"/>
+                </a:solidFill>
+                <a:effectLst/>
+              </a:rPr>
+              <a:t>Queries</a:t>
+            </a:r>
+            <a:r>
+              <a:rPr lang="en-US" b="0" i="0" dirty="0">
+                <a:solidFill>
+                  <a:srgbClr val="24292E"/>
+                </a:solidFill>
+                <a:effectLst/>
+              </a:rPr>
+              <a:t> are responsible for </a:t>
+            </a:r>
+            <a:r>
+              <a:rPr lang="en-US" b="1" i="0" dirty="0">
+                <a:solidFill>
+                  <a:srgbClr val="24292E"/>
+                </a:solidFill>
+                <a:effectLst/>
+              </a:rPr>
+              <a:t>reading</a:t>
+            </a:r>
+            <a:r>
+              <a:rPr lang="en-US" b="0" i="0" dirty="0">
+                <a:solidFill>
+                  <a:srgbClr val="24292E"/>
+                </a:solidFill>
+                <a:effectLst/>
+              </a:rPr>
+              <a:t> the </a:t>
+            </a:r>
+          </a:p>
+          <a:p>
+            <a:r>
+              <a:rPr lang="en-US" b="0" i="0" dirty="0">
+                <a:solidFill>
+                  <a:srgbClr val="24292E"/>
+                </a:solidFill>
+                <a:effectLst/>
+              </a:rPr>
+              <a:t>application state, e.g. to display information to the user.</a:t>
+            </a:r>
+            <a:endParaRPr lang="en-US" dirty="0"/>
+          </a:p>
+        </p:txBody>
+      </p:sp>
+      <p:sp>
+        <p:nvSpPr>
+          <p:cNvPr id="21" name="Rectangle 20"/>
+          <p:cNvSpPr/>
+          <p:nvPr/>
+        </p:nvSpPr>
+        <p:spPr>
+          <a:xfrm>
+            <a:off x="1898315" y="4247054"/>
+            <a:ext cx="4825037" cy="646331"/>
+          </a:xfrm>
+          <a:prstGeom prst="rect">
+            <a:avLst/>
+          </a:prstGeom>
+        </p:spPr>
+        <p:txBody>
+          <a:bodyPr wrap="square">
+            <a:spAutoFit/>
+          </a:bodyPr>
+          <a:lstStyle/>
+          <a:p>
+            <a:r>
+              <a:rPr lang="en-US" dirty="0"/>
+              <a:t>A </a:t>
+            </a:r>
+            <a:r>
+              <a:rPr lang="en-US" b="1" dirty="0"/>
+              <a:t>query handler </a:t>
+            </a:r>
+            <a:r>
+              <a:rPr lang="en-US" dirty="0"/>
+              <a:t>implements </a:t>
+            </a:r>
+            <a:br>
+              <a:rPr lang="en-US" dirty="0"/>
+            </a:br>
+            <a:r>
+              <a:rPr lang="en-US" dirty="0"/>
+              <a:t>the logic for the current query.</a:t>
+            </a:r>
+          </a:p>
+        </p:txBody>
+      </p:sp>
+      <p:pic>
+        <p:nvPicPr>
+          <p:cNvPr id="22" name="Picture 21" descr="Резултат с изображение за MEDIATR"/>
+          <p:cNvPicPr>
+            <a:picLocks noChangeAspect="1" noChangeArrowheads="1"/>
+          </p:cNvPicPr>
+          <p:nvPr/>
+        </p:nvPicPr>
+        <p:blipFill>
+          <a:blip r:embed="rId3">
             <a:extLst>
               <a:ext uri="{28A0092B-C50C-407E-A947-70E740481C1C}">
                 <a14:useLocalDpi xmlns:a14="http://schemas.microsoft.com/office/drawing/2010/main" val="0"/>
               </a:ext>
             </a:extLst>
           </a:blip>
+          <a:srcRect/>
           <a:stretch>
             <a:fillRect/>
           </a:stretch>
         </p:blipFill>
-        <p:spPr>
-          <a:xfrm>
-            <a:off x="-54429" y="0"/>
-            <a:ext cx="12192000" cy="6858000"/>
+        <p:spPr bwMode="auto">
+          <a:xfrm>
+            <a:off x="5345575" y="4998028"/>
+            <a:ext cx="1057898" cy="1057899"/>
           </a:xfrm>
           <a:prstGeom prst="rect">
             <a:avLst/>
           </a:prstGeom>
+          <a:noFill/>
+          <a:extLst>
+            <a:ext uri="{909E8E84-426E-40DD-AFC4-6F175D3DCCD1}">
+              <a14:hiddenFill xmlns:a14="http://schemas.microsoft.com/office/drawing/2010/main">
+                <a:solidFill>
+                  <a:srgbClr val="FFFFFF"/>
+                </a:solidFill>
+              </a14:hiddenFill>
+            </a:ext>
+          </a:extLst>
         </p:spPr>
       </p:pic>
       <p:sp>
         <p:nvSpPr>
-          <p:cNvPr id="7" name="Content Placeholder 2"/>
-          <p:cNvSpPr>
-            <a:spLocks noGrp="1"/>
-          </p:cNvSpPr>
-          <p:nvPr>
-            <p:ph idx="1"/>
-          </p:nvPr>
-        </p:nvSpPr>
-        <p:spPr>
-          <a:xfrm>
-            <a:off x="1480456" y="366939"/>
-            <a:ext cx="8746671" cy="4351338"/>
-          </a:xfrm>
-        </p:spPr>
-        <p:txBody>
-          <a:bodyPr/>
-          <a:lstStyle/>
-          <a:p>
-            <a:pPr marL="0" indent="0" algn="just">
-              <a:buNone/>
-            </a:pPr>
-            <a:r>
-              <a:rPr lang="en-US" dirty="0"/>
-              <a:t>The architecture proposes a micro-service oriented architecture implementation with multiple autonomous micro-services (each one owning its own data or database).</a:t>
-            </a:r>
-          </a:p>
-          <a:p>
-            <a:pPr marL="0" indent="0" algn="just">
-              <a:buNone/>
-            </a:pPr>
-            <a:r>
-              <a:rPr lang="en-US" dirty="0"/>
-              <a:t>Different approaches are implemented within each micro-service (simple CRUD vs. DDD/CQRS patterns). </a:t>
-            </a:r>
-          </a:p>
-          <a:p>
-            <a:pPr marL="0" indent="0" algn="just">
-              <a:buNone/>
-            </a:pPr>
-            <a:r>
-              <a:rPr lang="en-US" dirty="0"/>
-              <a:t>HTTP is the communication protocol between the client apps and the micro-services. Asynchronous communication for email sending and reports via Event Bus (</a:t>
-            </a:r>
-            <a:r>
-              <a:rPr lang="en-US" dirty="0" err="1"/>
-              <a:t>RabbitMQ</a:t>
-            </a:r>
-            <a:r>
-              <a:rPr lang="en-US" dirty="0"/>
-              <a:t>).</a:t>
+          <p:cNvPr id="23" name="Rectangle 22"/>
+          <p:cNvSpPr/>
+          <p:nvPr/>
+        </p:nvSpPr>
+        <p:spPr>
+          <a:xfrm>
+            <a:off x="1593075" y="5532707"/>
+            <a:ext cx="6096000" cy="523220"/>
+          </a:xfrm>
+          <a:prstGeom prst="rect">
+            <a:avLst/>
+          </a:prstGeom>
+        </p:spPr>
+        <p:txBody>
+          <a:bodyPr>
+            <a:spAutoFit/>
+          </a:bodyPr>
+          <a:lstStyle/>
+          <a:p>
+            <a:pPr algn="ctr"/>
+            <a:r>
+              <a:rPr lang="en-US" sz="2800" b="1" cap="none" spc="0" dirty="0">
+                <a:ln w="12700">
+                  <a:solidFill>
+                    <a:schemeClr val="tx2">
+                      <a:lumMod val="75000"/>
+                    </a:schemeClr>
+                  </a:solidFill>
+                  <a:prstDash val="solid"/>
+                </a:ln>
+                <a:pattFill prst="dkUpDiag">
+                  <a:fgClr>
+                    <a:schemeClr val="tx2"/>
+                  </a:fgClr>
+                  <a:bgClr>
+                    <a:schemeClr val="tx2">
+                      <a:lumMod val="20000"/>
+                      <a:lumOff val="80000"/>
+                    </a:schemeClr>
+                  </a:bgClr>
+                </a:pattFill>
+                <a:effectLst>
+                  <a:outerShdw dist="38100" dir="2640000" algn="bl" rotWithShape="0">
+                    <a:schemeClr val="tx2">
+                      <a:lumMod val="75000"/>
+                    </a:schemeClr>
+                  </a:outerShdw>
+                </a:effectLst>
+              </a:rPr>
+              <a:t>Implemented with the               </a:t>
+            </a:r>
+            <a:r>
+              <a:rPr lang="en-US" sz="2800" b="1" cap="none" spc="0" dirty="0" err="1">
+                <a:ln w="12700">
+                  <a:solidFill>
+                    <a:schemeClr val="tx2">
+                      <a:lumMod val="75000"/>
+                    </a:schemeClr>
+                  </a:solidFill>
+                  <a:prstDash val="solid"/>
+                </a:ln>
+                <a:pattFill prst="dkUpDiag">
+                  <a:fgClr>
+                    <a:schemeClr val="tx2"/>
+                  </a:fgClr>
+                  <a:bgClr>
+                    <a:schemeClr val="tx2">
+                      <a:lumMod val="20000"/>
+                      <a:lumOff val="80000"/>
+                    </a:schemeClr>
+                  </a:bgClr>
+                </a:pattFill>
+                <a:effectLst>
+                  <a:outerShdw dist="38100" dir="2640000" algn="bl" rotWithShape="0">
+                    <a:schemeClr val="tx2">
+                      <a:lumMod val="75000"/>
+                    </a:schemeClr>
+                  </a:outerShdw>
+                </a:effectLst>
+              </a:rPr>
+              <a:t>ediatR</a:t>
+            </a:r>
+            <a:r>
+              <a:rPr lang="en-US" sz="2800" b="1" cap="none" spc="0" dirty="0">
+                <a:ln w="12700">
+                  <a:solidFill>
+                    <a:schemeClr val="tx2">
+                      <a:lumMod val="75000"/>
+                    </a:schemeClr>
+                  </a:solidFill>
+                  <a:prstDash val="solid"/>
+                </a:ln>
+                <a:pattFill prst="dkUpDiag">
+                  <a:fgClr>
+                    <a:schemeClr val="tx2"/>
+                  </a:fgClr>
+                  <a:bgClr>
+                    <a:schemeClr val="tx2">
+                      <a:lumMod val="20000"/>
+                      <a:lumOff val="80000"/>
+                    </a:schemeClr>
+                  </a:bgClr>
+                </a:pattFill>
+                <a:effectLst>
+                  <a:outerShdw dist="38100" dir="2640000" algn="bl" rotWithShape="0">
+                    <a:schemeClr val="tx2">
+                      <a:lumMod val="75000"/>
+                    </a:schemeClr>
+                  </a:outerShdw>
+                </a:effectLst>
+              </a:rPr>
+              <a:t> </a:t>
+            </a:r>
+          </a:p>
+        </p:txBody>
+      </p:sp>
+      <p:sp>
+        <p:nvSpPr>
+          <p:cNvPr id="3" name="Cloud Callout 2"/>
+          <p:cNvSpPr/>
+          <p:nvPr/>
+        </p:nvSpPr>
+        <p:spPr>
+          <a:xfrm>
+            <a:off x="10427407" y="2438400"/>
+            <a:ext cx="1577392" cy="751690"/>
+          </a:xfrm>
+          <a:prstGeom prst="cloudCallout">
+            <a:avLst>
+              <a:gd name="adj1" fmla="val -42103"/>
+              <a:gd name="adj2" fmla="val 65789"/>
+            </a:avLst>
+          </a:prstGeom>
+          <a:solidFill>
+            <a:schemeClr val="bg1">
+              <a:lumMod val="65000"/>
+            </a:schemeClr>
+          </a:solidFill>
+          <a:ln>
+            <a:solidFill>
+              <a:schemeClr val="bg1">
+                <a:lumMod val="95000"/>
+              </a:schemeClr>
+            </a:solidFill>
+          </a:ln>
+        </p:spPr>
+        <p:style>
+          <a:lnRef idx="2">
+            <a:schemeClr val="accent1">
+              <a:shade val="50000"/>
+            </a:schemeClr>
+          </a:lnRef>
+          <a:fillRef idx="1">
+            <a:schemeClr val="accent1"/>
+          </a:fillRef>
+          <a:effectRef idx="0">
+            <a:schemeClr val="accent1"/>
+          </a:effectRef>
+          <a:fontRef idx="minor">
+            <a:schemeClr val="lt1"/>
+          </a:fontRef>
+        </p:style>
+        <p:txBody>
+          <a:bodyPr rtlCol="0" anchor="ctr"/>
+          <a:lstStyle/>
+          <a:p>
+            <a:pPr algn="ctr"/>
+            <a:r>
+              <a:rPr lang="en-US" sz="1400" dirty="0"/>
+              <a:t>Fluent Command Validation</a:t>
             </a:r>
           </a:p>
         </p:txBody>
@@ -6570,7 +6116,7 @@
     </p:spTree>
     <p:extLst>
       <p:ext uri="{BB962C8B-B14F-4D97-AF65-F5344CB8AC3E}">
-        <p14:creationId xmlns:p14="http://schemas.microsoft.com/office/powerpoint/2010/main" val="4194558354"/>
+        <p14:creationId xmlns:p14="http://schemas.microsoft.com/office/powerpoint/2010/main" val="1208745704"/>
       </p:ext>
     </p:extLst>
   </p:cSld>
@@ -6611,7 +6157,7 @@
       </p:grpSpPr>
       <p:pic>
         <p:nvPicPr>
-          <p:cNvPr id="4" name="Picture 3"/>
+          <p:cNvPr id="5" name="Picture 4"/>
           <p:cNvPicPr>
             <a:picLocks noChangeAspect="1"/>
           </p:cNvPicPr>
@@ -6631,7 +6177,7 @@
         </p:blipFill>
         <p:spPr>
           <a:xfrm>
-            <a:off x="0" y="0"/>
+            <a:off x="0" y="-16992"/>
             <a:ext cx="12192000" cy="6858000"/>
           </a:xfrm>
           <a:prstGeom prst="rect">
@@ -6639,52 +6185,31 @@
           </a:prstGeom>
         </p:spPr>
       </p:pic>
-      <p:pic>
-        <p:nvPicPr>
-          <p:cNvPr id="7" name="Picture 6"/>
-          <p:cNvPicPr>
-            <a:picLocks noChangeAspect="1"/>
-          </p:cNvPicPr>
-          <p:nvPr/>
-        </p:nvPicPr>
-        <p:blipFill>
-          <a:blip r:embed="rId3"/>
-          <a:stretch>
-            <a:fillRect/>
-          </a:stretch>
-        </p:blipFill>
-        <p:spPr>
-          <a:xfrm>
-            <a:off x="2125436" y="4627109"/>
-            <a:ext cx="8115300" cy="1762125"/>
-          </a:xfrm>
-          <a:prstGeom prst="rect">
-            <a:avLst/>
-          </a:prstGeom>
-        </p:spPr>
-      </p:pic>
-      <p:sp>
-        <p:nvSpPr>
-          <p:cNvPr id="8" name="Rectangle 7"/>
-          <p:cNvSpPr/>
-          <p:nvPr/>
-        </p:nvSpPr>
-        <p:spPr>
-          <a:xfrm>
-            <a:off x="1786021" y="2656896"/>
-            <a:ext cx="8619958" cy="1323439"/>
-          </a:xfrm>
-          <a:prstGeom prst="rect">
-            <a:avLst/>
-          </a:prstGeom>
-        </p:spPr>
-        <p:txBody>
-          <a:bodyPr wrap="square">
-            <a:spAutoFit/>
+      <p:sp>
+        <p:nvSpPr>
+          <p:cNvPr id="7" name="Content Placeholder 2"/>
+          <p:cNvSpPr>
+            <a:spLocks noGrp="1"/>
+          </p:cNvSpPr>
+          <p:nvPr>
+            <p:ph idx="1"/>
+          </p:nvPr>
+        </p:nvSpPr>
+        <p:spPr>
+          <a:xfrm>
+            <a:off x="4150894" y="474334"/>
+            <a:ext cx="3781353" cy="772051"/>
+          </a:xfrm>
+        </p:spPr>
+        <p:txBody>
+          <a:bodyPr>
+            <a:noAutofit/>
           </a:bodyPr>
           <a:lstStyle/>
           <a:p>
-            <a:pPr algn="ctr"/>
+            <a:pPr marL="0" indent="0" algn="just">
+              <a:buNone/>
+            </a:pPr>
             <a:r>
               <a:rPr lang="en-US" sz="4000" b="1" cap="none" spc="0" dirty="0">
                 <a:ln w="12700">
@@ -6714,21 +6239,46 @@
                   </a:outerShdw>
                 </a:effectLst>
               </a:rPr>
-              <a:t>Command and Query Responsibility Segregation</a:t>
-            </a:r>
-          </a:p>
-        </p:txBody>
-      </p:sp>
-      <p:sp>
-        <p:nvSpPr>
-          <p:cNvPr id="9" name="TextBox 8"/>
+              <a:t>Event Sourcing</a:t>
+            </a:r>
+            <a:endParaRPr lang="en-US" sz="4000" dirty="0"/>
+          </a:p>
+        </p:txBody>
+      </p:sp>
+      <p:pic>
+        <p:nvPicPr>
+          <p:cNvPr id="2" name="Picture 1"/>
+          <p:cNvPicPr>
+            <a:picLocks noChangeAspect="1"/>
+          </p:cNvPicPr>
+          <p:nvPr/>
+        </p:nvPicPr>
+        <p:blipFill>
+          <a:blip r:embed="rId3"/>
+          <a:stretch>
+            <a:fillRect/>
+          </a:stretch>
+        </p:blipFill>
+        <p:spPr>
+          <a:xfrm>
+            <a:off x="2194968" y="3700756"/>
+            <a:ext cx="7375775" cy="1599914"/>
+          </a:xfrm>
+          <a:prstGeom prst="rect">
+            <a:avLst/>
+          </a:prstGeom>
+        </p:spPr>
+      </p:pic>
+      <p:sp>
+        <p:nvSpPr>
+          <p:cNvPr id="6" name="TextBox 2"/>
           <p:cNvSpPr txBox="1"/>
           <p:nvPr/>
         </p:nvSpPr>
         <p:spPr>
           <a:xfrm>
-            <a:off x="5312229" y="4182836"/>
-            <a:ext cx="2024743" cy="369332"/>
+            <a:off x="1942193" y="1150007"/>
+            <a:ext cx="6565900" cy="1477328"/>
           </a:xfrm>
           <a:prstGeom prst="rect">
             <a:avLst/>
@@ -6739,19 +6289,317 @@
           <a:bodyPr wrap="square" rtlCol="0">
             <a:spAutoFit/>
           </a:bodyPr>
-          <a:lstStyle/>
-          <a:p>
+          <a:lstStyle>
+            <a:defPPr>
+              <a:defRPr lang="en-US"/>
+            </a:defPPr>
+            <a:lvl1pPr marL="0" algn="l" defTabSz="914400" rtl="0" eaLnBrk="1" latinLnBrk="0" hangingPunct="1">
+              <a:defRPr sz="1800" kern="1200">
+                <a:solidFill>
+                  <a:schemeClr val="tx1"/>
+                </a:solidFill>
+                <a:latin typeface="+mn-lt"/>
+                <a:ea typeface="+mn-ea"/>
+                <a:cs typeface="+mn-cs"/>
+              </a:defRPr>
+            </a:lvl1pPr>
+            <a:lvl2pPr marL="457200" algn="l" defTabSz="914400" rtl="0" eaLnBrk="1" latinLnBrk="0" hangingPunct="1">
+              <a:defRPr sz="1800" kern="1200">
+                <a:solidFill>
+                  <a:schemeClr val="tx1"/>
+                </a:solidFill>
+                <a:latin typeface="+mn-lt"/>
+                <a:ea typeface="+mn-ea"/>
+                <a:cs typeface="+mn-cs"/>
+              </a:defRPr>
+            </a:lvl2pPr>
+            <a:lvl3pPr marL="914400" algn="l" defTabSz="914400" rtl="0" eaLnBrk="1" latinLnBrk="0" hangingPunct="1">
+              <a:defRPr sz="1800" kern="1200">
+                <a:solidFill>
+                  <a:schemeClr val="tx1"/>
+                </a:solidFill>
+                <a:latin typeface="+mn-lt"/>
+                <a:ea typeface="+mn-ea"/>
+                <a:cs typeface="+mn-cs"/>
+              </a:defRPr>
+            </a:lvl3pPr>
+            <a:lvl4pPr marL="1371600" algn="l" defTabSz="914400" rtl="0" eaLnBrk="1" latinLnBrk="0" hangingPunct="1">
+              <a:defRPr sz="1800" kern="1200">
+                <a:solidFill>
+                  <a:schemeClr val="tx1"/>
+                </a:solidFill>
+                <a:latin typeface="+mn-lt"/>
+                <a:ea typeface="+mn-ea"/>
+                <a:cs typeface="+mn-cs"/>
+              </a:defRPr>
+            </a:lvl4pPr>
+            <a:lvl5pPr marL="1828800" algn="l" defTabSz="914400" rtl="0" eaLnBrk="1" latinLnBrk="0" hangingPunct="1">
+              <a:defRPr sz="1800" kern="1200">
+                <a:solidFill>
+                  <a:schemeClr val="tx1"/>
+                </a:solidFill>
+                <a:latin typeface="+mn-lt"/>
+                <a:ea typeface="+mn-ea"/>
+                <a:cs typeface="+mn-cs"/>
+              </a:defRPr>
+            </a:lvl5pPr>
+            <a:lvl6pPr marL="2286000" algn="l" defTabSz="914400" rtl="0" eaLnBrk="1" latinLnBrk="0" hangingPunct="1">
+              <a:defRPr sz="1800" kern="1200">
+                <a:solidFill>
+                  <a:schemeClr val="tx1"/>
+                </a:solidFill>
+                <a:latin typeface="+mn-lt"/>
+                <a:ea typeface="+mn-ea"/>
+                <a:cs typeface="+mn-cs"/>
+              </a:defRPr>
+            </a:lvl6pPr>
+            <a:lvl7pPr marL="2743200" algn="l" defTabSz="914400" rtl="0" eaLnBrk="1" latinLnBrk="0" hangingPunct="1">
+              <a:defRPr sz="1800" kern="1200">
+                <a:solidFill>
+                  <a:schemeClr val="tx1"/>
+                </a:solidFill>
+                <a:latin typeface="+mn-lt"/>
+                <a:ea typeface="+mn-ea"/>
+                <a:cs typeface="+mn-cs"/>
+              </a:defRPr>
+            </a:lvl7pPr>
+            <a:lvl8pPr marL="3200400" algn="l" defTabSz="914400" rtl="0" eaLnBrk="1" latinLnBrk="0" hangingPunct="1">
+              <a:defRPr sz="1800" kern="1200">
+                <a:solidFill>
+                  <a:schemeClr val="tx1"/>
+                </a:solidFill>
+                <a:latin typeface="+mn-lt"/>
+                <a:ea typeface="+mn-ea"/>
+                <a:cs typeface="+mn-cs"/>
+              </a:defRPr>
+            </a:lvl8pPr>
+            <a:lvl9pPr marL="3657600" algn="l" defTabSz="914400" rtl="0" eaLnBrk="1" latinLnBrk="0" hangingPunct="1">
+              <a:defRPr sz="1800" kern="1200">
+                <a:solidFill>
+                  <a:schemeClr val="tx1"/>
+                </a:solidFill>
+                <a:latin typeface="+mn-lt"/>
+                <a:ea typeface="+mn-ea"/>
+                <a:cs typeface="+mn-cs"/>
+              </a:defRPr>
+            </a:lvl9pPr>
+          </a:lstStyle>
+          <a:p>
+            <a:pPr marL="342900" indent="-342900">
+              <a:buAutoNum type="arabicPeriod"/>
+            </a:pPr>
             <a:r>
               <a:rPr lang="en-US" dirty="0"/>
-              <a:t>Implemented by</a:t>
-            </a:r>
+              <a:t>Implementing an event-driven architecture and makes it possible to reliably publish events</a:t>
+            </a:r>
+          </a:p>
+          <a:p>
+            <a:pPr marL="342900" indent="-342900">
+              <a:buAutoNum type="arabicPeriod"/>
+            </a:pPr>
+            <a:r>
+              <a:rPr lang="en-US" dirty="0"/>
+              <a:t>Provides a 100% reliable audit log of the changes made to a business entity (</a:t>
+            </a:r>
+            <a:r>
+              <a:rPr lang="en-US" b="1" dirty="0"/>
+              <a:t>Very</a:t>
+            </a:r>
+            <a:r>
+              <a:rPr lang="en-US" dirty="0"/>
+              <a:t> </a:t>
+            </a:r>
+            <a:r>
+              <a:rPr lang="en-US" b="1" dirty="0"/>
+              <a:t>useful</a:t>
+            </a:r>
+            <a:r>
+              <a:rPr lang="en-US" dirty="0"/>
+              <a:t> for reports)</a:t>
+            </a:r>
+          </a:p>
+          <a:p>
+            <a:pPr marL="342900" indent="-342900">
+              <a:buAutoNum type="arabicPeriod"/>
+            </a:pPr>
+            <a:r>
+              <a:rPr lang="en-US" dirty="0"/>
+              <a:t>Implementation via </a:t>
+            </a:r>
+          </a:p>
+        </p:txBody>
+      </p:sp>
+      <p:pic>
+        <p:nvPicPr>
+          <p:cNvPr id="8" name="Picture 7" descr="Резултат с изображение за marten dot net"/>
+          <p:cNvPicPr>
+            <a:picLocks noChangeAspect="1" noChangeArrowheads="1"/>
+          </p:cNvPicPr>
+          <p:nvPr/>
+        </p:nvPicPr>
+        <p:blipFill>
+          <a:blip r:embed="rId4" cstate="print">
+            <a:extLst>
+              <a:ext uri="{28A0092B-C50C-407E-A947-70E740481C1C}">
+                <a14:useLocalDpi xmlns:a14="http://schemas.microsoft.com/office/drawing/2010/main" val="0"/>
+              </a:ext>
+            </a:extLst>
+          </a:blip>
+          <a:srcRect/>
+          <a:stretch>
+            <a:fillRect/>
+          </a:stretch>
+        </p:blipFill>
+        <p:spPr bwMode="auto">
+          <a:xfrm>
+            <a:off x="4150894" y="2307183"/>
+            <a:ext cx="3463925" cy="1164696"/>
+          </a:xfrm>
+          <a:prstGeom prst="rect">
+            <a:avLst/>
+          </a:prstGeom>
+          <a:noFill/>
+          <a:extLst>
+            <a:ext uri="{909E8E84-426E-40DD-AFC4-6F175D3DCCD1}">
+              <a14:hiddenFill xmlns:a14="http://schemas.microsoft.com/office/drawing/2010/main">
+                <a:solidFill>
+                  <a:srgbClr val="FFFFFF"/>
+                </a:solidFill>
+              </a14:hiddenFill>
+            </a:ext>
+          </a:extLst>
+        </p:spPr>
+      </p:pic>
+      <p:sp>
+        <p:nvSpPr>
+          <p:cNvPr id="9" name="TextBox 4"/>
+          <p:cNvSpPr txBox="1"/>
+          <p:nvPr/>
+        </p:nvSpPr>
+        <p:spPr>
+          <a:xfrm>
+            <a:off x="5235157" y="3254328"/>
+            <a:ext cx="7670800" cy="646331"/>
+          </a:xfrm>
+          <a:prstGeom prst="rect">
+            <a:avLst/>
+          </a:prstGeom>
+          <a:noFill/>
+        </p:spPr>
+        <p:txBody>
+          <a:bodyPr wrap="square" rtlCol="0">
+            <a:spAutoFit/>
+          </a:bodyPr>
+          <a:lstStyle>
+            <a:defPPr>
+              <a:defRPr lang="en-US"/>
+            </a:defPPr>
+            <a:lvl1pPr marL="0" algn="l" defTabSz="914400" rtl="0" eaLnBrk="1" latinLnBrk="0" hangingPunct="1">
+              <a:defRPr sz="1800" kern="1200">
+                <a:solidFill>
+                  <a:schemeClr val="tx1"/>
+                </a:solidFill>
+                <a:latin typeface="+mn-lt"/>
+                <a:ea typeface="+mn-ea"/>
+                <a:cs typeface="+mn-cs"/>
+              </a:defRPr>
+            </a:lvl1pPr>
+            <a:lvl2pPr marL="457200" algn="l" defTabSz="914400" rtl="0" eaLnBrk="1" latinLnBrk="0" hangingPunct="1">
+              <a:defRPr sz="1800" kern="1200">
+                <a:solidFill>
+                  <a:schemeClr val="tx1"/>
+                </a:solidFill>
+                <a:latin typeface="+mn-lt"/>
+                <a:ea typeface="+mn-ea"/>
+                <a:cs typeface="+mn-cs"/>
+              </a:defRPr>
+            </a:lvl2pPr>
+            <a:lvl3pPr marL="914400" algn="l" defTabSz="914400" rtl="0" eaLnBrk="1" latinLnBrk="0" hangingPunct="1">
+              <a:defRPr sz="1800" kern="1200">
+                <a:solidFill>
+                  <a:schemeClr val="tx1"/>
+                </a:solidFill>
+                <a:latin typeface="+mn-lt"/>
+                <a:ea typeface="+mn-ea"/>
+                <a:cs typeface="+mn-cs"/>
+              </a:defRPr>
+            </a:lvl3pPr>
+            <a:lvl4pPr marL="1371600" algn="l" defTabSz="914400" rtl="0" eaLnBrk="1" latinLnBrk="0" hangingPunct="1">
+              <a:defRPr sz="1800" kern="1200">
+                <a:solidFill>
+                  <a:schemeClr val="tx1"/>
+                </a:solidFill>
+                <a:latin typeface="+mn-lt"/>
+                <a:ea typeface="+mn-ea"/>
+                <a:cs typeface="+mn-cs"/>
+              </a:defRPr>
+            </a:lvl4pPr>
+            <a:lvl5pPr marL="1828800" algn="l" defTabSz="914400" rtl="0" eaLnBrk="1" latinLnBrk="0" hangingPunct="1">
+              <a:defRPr sz="1800" kern="1200">
+                <a:solidFill>
+                  <a:schemeClr val="tx1"/>
+                </a:solidFill>
+                <a:latin typeface="+mn-lt"/>
+                <a:ea typeface="+mn-ea"/>
+                <a:cs typeface="+mn-cs"/>
+              </a:defRPr>
+            </a:lvl5pPr>
+            <a:lvl6pPr marL="2286000" algn="l" defTabSz="914400" rtl="0" eaLnBrk="1" latinLnBrk="0" hangingPunct="1">
+              <a:defRPr sz="1800" kern="1200">
+                <a:solidFill>
+                  <a:schemeClr val="tx1"/>
+                </a:solidFill>
+                <a:latin typeface="+mn-lt"/>
+                <a:ea typeface="+mn-ea"/>
+                <a:cs typeface="+mn-cs"/>
+              </a:defRPr>
+            </a:lvl6pPr>
+            <a:lvl7pPr marL="2743200" algn="l" defTabSz="914400" rtl="0" eaLnBrk="1" latinLnBrk="0" hangingPunct="1">
+              <a:defRPr sz="1800" kern="1200">
+                <a:solidFill>
+                  <a:schemeClr val="tx1"/>
+                </a:solidFill>
+                <a:latin typeface="+mn-lt"/>
+                <a:ea typeface="+mn-ea"/>
+                <a:cs typeface="+mn-cs"/>
+              </a:defRPr>
+            </a:lvl7pPr>
+            <a:lvl8pPr marL="3200400" algn="l" defTabSz="914400" rtl="0" eaLnBrk="1" latinLnBrk="0" hangingPunct="1">
+              <a:defRPr sz="1800" kern="1200">
+                <a:solidFill>
+                  <a:schemeClr val="tx1"/>
+                </a:solidFill>
+                <a:latin typeface="+mn-lt"/>
+                <a:ea typeface="+mn-ea"/>
+                <a:cs typeface="+mn-cs"/>
+              </a:defRPr>
+            </a:lvl8pPr>
+            <a:lvl9pPr marL="3657600" algn="l" defTabSz="914400" rtl="0" eaLnBrk="1" latinLnBrk="0" hangingPunct="1">
+              <a:defRPr sz="1800" kern="1200">
+                <a:solidFill>
+                  <a:schemeClr val="tx1"/>
+                </a:solidFill>
+                <a:latin typeface="+mn-lt"/>
+                <a:ea typeface="+mn-ea"/>
+                <a:cs typeface="+mn-cs"/>
+              </a:defRPr>
+            </a:lvl9pPr>
+          </a:lstStyle>
+          <a:p>
+            <a:r>
+              <a:rPr lang="en-US" dirty="0"/>
+              <a:t>Polyglot Persistence using PostgreSQL Database</a:t>
+            </a:r>
+          </a:p>
+          <a:p>
+            <a:endParaRPr lang="en-US" dirty="0"/>
           </a:p>
         </p:txBody>
       </p:sp>
     </p:spTree>
     <p:extLst>
       <p:ext uri="{BB962C8B-B14F-4D97-AF65-F5344CB8AC3E}">
-        <p14:creationId xmlns:p14="http://schemas.microsoft.com/office/powerpoint/2010/main" val="1626103811"/>
+        <p14:creationId xmlns:p14="http://schemas.microsoft.com/office/powerpoint/2010/main" val="3955637945"/>
       </p:ext>
     </p:extLst>
   </p:cSld>
@@ -6792,558 +6640,37 @@
       </p:grpSpPr>
       <p:pic>
         <p:nvPicPr>
-          <p:cNvPr id="4" name="Picture 3"/>
+          <p:cNvPr id="5" name="Picture 4"/>
           <p:cNvPicPr>
             <a:picLocks noChangeAspect="1"/>
           </p:cNvPicPr>
           <p:nvPr/>
         </p:nvPicPr>
         <p:blipFill>
-          <a:blip r:embed="rId2"/>
+          <a:blip r:embed="rId2">
+            <a:extLst>
+              <a:ext uri="{28A0092B-C50C-407E-A947-70E740481C1C}">
+                <a14:useLocalDpi xmlns:a14="http://schemas.microsoft.com/office/drawing/2010/main" val="0"/>
+              </a:ext>
+            </a:extLst>
+          </a:blip>
           <a:stretch>
             <a:fillRect/>
           </a:stretch>
         </p:blipFill>
         <p:spPr>
           <a:xfrm>
-            <a:off x="6747499" y="592622"/>
-            <a:ext cx="5248275" cy="4800600"/>
+            <a:off x="0" y="0"/>
+            <a:ext cx="12192000" cy="6858000"/>
           </a:xfrm>
           <a:prstGeom prst="rect">
             <a:avLst/>
           </a:prstGeom>
         </p:spPr>
       </p:pic>
-      <p:sp>
-        <p:nvSpPr>
-          <p:cNvPr id="8" name="Left Arrow 7"/>
-          <p:cNvSpPr/>
-          <p:nvPr/>
-        </p:nvSpPr>
-        <p:spPr>
-          <a:xfrm>
-            <a:off x="3946357" y="513349"/>
-            <a:ext cx="3170110" cy="406400"/>
-          </a:xfrm>
-          <a:prstGeom prst="leftArrow">
-            <a:avLst/>
-          </a:prstGeom>
-        </p:spPr>
-        <p:style>
-          <a:lnRef idx="1">
-            <a:schemeClr val="accent3"/>
-          </a:lnRef>
-          <a:fillRef idx="2">
-            <a:schemeClr val="accent3"/>
-          </a:fillRef>
-          <a:effectRef idx="1">
-            <a:schemeClr val="accent3"/>
-          </a:effectRef>
-          <a:fontRef idx="minor">
-            <a:schemeClr val="dk1"/>
-          </a:fontRef>
-        </p:style>
-        <p:txBody>
-          <a:bodyPr rtlCol="0" anchor="ctr"/>
-          <a:lstStyle/>
-          <a:p>
-            <a:pPr algn="ctr"/>
-            <a:endParaRPr lang="en-US"/>
-          </a:p>
-        </p:txBody>
-      </p:sp>
-      <p:sp>
-        <p:nvSpPr>
-          <p:cNvPr id="9" name="Left Arrow 8"/>
-          <p:cNvSpPr/>
-          <p:nvPr/>
-        </p:nvSpPr>
-        <p:spPr>
-          <a:xfrm>
-            <a:off x="4195009" y="1574802"/>
-            <a:ext cx="3170110" cy="406400"/>
-          </a:xfrm>
-          <a:prstGeom prst="leftArrow">
-            <a:avLst/>
-          </a:prstGeom>
-        </p:spPr>
-        <p:style>
-          <a:lnRef idx="1">
-            <a:schemeClr val="accent3"/>
-          </a:lnRef>
-          <a:fillRef idx="2">
-            <a:schemeClr val="accent3"/>
-          </a:fillRef>
-          <a:effectRef idx="1">
-            <a:schemeClr val="accent3"/>
-          </a:effectRef>
-          <a:fontRef idx="minor">
-            <a:schemeClr val="dk1"/>
-          </a:fontRef>
-        </p:style>
-        <p:txBody>
-          <a:bodyPr rtlCol="0" anchor="ctr"/>
-          <a:lstStyle/>
-          <a:p>
-            <a:pPr algn="ctr"/>
-            <a:endParaRPr lang="en-US"/>
-          </a:p>
-        </p:txBody>
-      </p:sp>
-      <p:sp>
-        <p:nvSpPr>
-          <p:cNvPr id="10" name="Left Arrow 9"/>
-          <p:cNvSpPr/>
-          <p:nvPr/>
-        </p:nvSpPr>
-        <p:spPr>
-          <a:xfrm>
-            <a:off x="4724398" y="2138950"/>
-            <a:ext cx="3170110" cy="406400"/>
-          </a:xfrm>
-          <a:prstGeom prst="leftArrow">
-            <a:avLst/>
-          </a:prstGeom>
-        </p:spPr>
-        <p:style>
-          <a:lnRef idx="1">
-            <a:schemeClr val="accent3"/>
-          </a:lnRef>
-          <a:fillRef idx="2">
-            <a:schemeClr val="accent3"/>
-          </a:fillRef>
-          <a:effectRef idx="1">
-            <a:schemeClr val="accent3"/>
-          </a:effectRef>
-          <a:fontRef idx="minor">
-            <a:schemeClr val="dk1"/>
-          </a:fontRef>
-        </p:style>
-        <p:txBody>
-          <a:bodyPr rtlCol="0" anchor="ctr"/>
-          <a:lstStyle/>
-          <a:p>
-            <a:pPr algn="ctr"/>
-            <a:endParaRPr lang="en-US"/>
-          </a:p>
-        </p:txBody>
-      </p:sp>
-      <p:sp>
-        <p:nvSpPr>
-          <p:cNvPr id="11" name="Left Arrow 10"/>
-          <p:cNvSpPr/>
-          <p:nvPr/>
-        </p:nvSpPr>
-        <p:spPr>
-          <a:xfrm>
-            <a:off x="4724398" y="2658582"/>
-            <a:ext cx="3170110" cy="406400"/>
-          </a:xfrm>
-          <a:prstGeom prst="leftArrow">
-            <a:avLst/>
-          </a:prstGeom>
-        </p:spPr>
-        <p:style>
-          <a:lnRef idx="1">
-            <a:schemeClr val="accent3"/>
-          </a:lnRef>
-          <a:fillRef idx="2">
-            <a:schemeClr val="accent3"/>
-          </a:fillRef>
-          <a:effectRef idx="1">
-            <a:schemeClr val="accent3"/>
-          </a:effectRef>
-          <a:fontRef idx="minor">
-            <a:schemeClr val="dk1"/>
-          </a:fontRef>
-        </p:style>
-        <p:txBody>
-          <a:bodyPr rtlCol="0" anchor="ctr"/>
-          <a:lstStyle/>
-          <a:p>
-            <a:pPr algn="ctr"/>
-            <a:endParaRPr lang="en-US"/>
-          </a:p>
-        </p:txBody>
-      </p:sp>
-      <p:sp>
-        <p:nvSpPr>
-          <p:cNvPr id="13" name="Left Arrow 12"/>
-          <p:cNvSpPr/>
-          <p:nvPr/>
-        </p:nvSpPr>
-        <p:spPr>
-          <a:xfrm>
-            <a:off x="3996908" y="3425930"/>
-            <a:ext cx="3897600" cy="406400"/>
-          </a:xfrm>
-          <a:prstGeom prst="leftArrow">
-            <a:avLst/>
-          </a:prstGeom>
-        </p:spPr>
-        <p:style>
-          <a:lnRef idx="1">
-            <a:schemeClr val="accent3"/>
-          </a:lnRef>
-          <a:fillRef idx="2">
-            <a:schemeClr val="accent3"/>
-          </a:fillRef>
-          <a:effectRef idx="1">
-            <a:schemeClr val="accent3"/>
-          </a:effectRef>
-          <a:fontRef idx="minor">
-            <a:schemeClr val="dk1"/>
-          </a:fontRef>
-        </p:style>
-        <p:txBody>
-          <a:bodyPr rtlCol="0" anchor="ctr"/>
-          <a:lstStyle/>
-          <a:p>
-            <a:pPr algn="ctr"/>
-            <a:endParaRPr lang="en-US"/>
-          </a:p>
-        </p:txBody>
-      </p:sp>
-      <p:sp>
-        <p:nvSpPr>
-          <p:cNvPr id="14" name="TextBox 13"/>
-          <p:cNvSpPr txBox="1"/>
-          <p:nvPr/>
-        </p:nvSpPr>
-        <p:spPr>
-          <a:xfrm>
-            <a:off x="1048216" y="531883"/>
-            <a:ext cx="2948692" cy="369332"/>
-          </a:xfrm>
-          <a:prstGeom prst="rect">
-            <a:avLst/>
-          </a:prstGeom>
-          <a:noFill/>
-        </p:spPr>
-        <p:txBody>
-          <a:bodyPr wrap="none" rtlCol="0">
-            <a:spAutoFit/>
-          </a:bodyPr>
-          <a:lstStyle/>
-          <a:p>
-            <a:r>
-              <a:rPr lang="en-US" dirty="0"/>
-              <a:t>Personality Tests Web Service</a:t>
-            </a:r>
-          </a:p>
-        </p:txBody>
-      </p:sp>
-      <p:sp>
-        <p:nvSpPr>
-          <p:cNvPr id="15" name="TextBox 14"/>
-          <p:cNvSpPr txBox="1"/>
-          <p:nvPr/>
-        </p:nvSpPr>
-        <p:spPr>
-          <a:xfrm>
-            <a:off x="1048216" y="1334473"/>
-            <a:ext cx="3751668" cy="646331"/>
-          </a:xfrm>
-          <a:prstGeom prst="rect">
-            <a:avLst/>
-          </a:prstGeom>
-          <a:noFill/>
-        </p:spPr>
-        <p:txBody>
-          <a:bodyPr wrap="none" rtlCol="0">
-            <a:spAutoFit/>
-          </a:bodyPr>
-          <a:lstStyle/>
-          <a:p>
-            <a:pPr algn="ctr"/>
-            <a:r>
-              <a:rPr lang="en-US" b="1" dirty="0"/>
-              <a:t>Bounded Context </a:t>
-            </a:r>
-            <a:r>
-              <a:rPr lang="en-US" dirty="0"/>
-              <a:t>is central pattern in</a:t>
-            </a:r>
-          </a:p>
-          <a:p>
-            <a:pPr algn="ctr"/>
-            <a:r>
-              <a:rPr lang="en-US" dirty="0"/>
-              <a:t> the Domain-Driven Design</a:t>
-            </a:r>
-          </a:p>
-        </p:txBody>
-      </p:sp>
-      <p:sp>
-        <p:nvSpPr>
-          <p:cNvPr id="16" name="Left Arrow 15"/>
-          <p:cNvSpPr/>
-          <p:nvPr/>
-        </p:nvSpPr>
-        <p:spPr>
-          <a:xfrm>
-            <a:off x="4724398" y="4247054"/>
-            <a:ext cx="3170110" cy="406400"/>
-          </a:xfrm>
-          <a:prstGeom prst="leftArrow">
-            <a:avLst/>
-          </a:prstGeom>
-        </p:spPr>
-        <p:style>
-          <a:lnRef idx="1">
-            <a:schemeClr val="accent3"/>
-          </a:lnRef>
-          <a:fillRef idx="2">
-            <a:schemeClr val="accent3"/>
-          </a:fillRef>
-          <a:effectRef idx="1">
-            <a:schemeClr val="accent3"/>
-          </a:effectRef>
-          <a:fontRef idx="minor">
-            <a:schemeClr val="dk1"/>
-          </a:fontRef>
-        </p:style>
-        <p:txBody>
-          <a:bodyPr rtlCol="0" anchor="ctr"/>
-          <a:lstStyle/>
-          <a:p>
-            <a:pPr algn="ctr"/>
-            <a:endParaRPr lang="en-US"/>
-          </a:p>
-        </p:txBody>
-      </p:sp>
-      <p:sp>
-        <p:nvSpPr>
-          <p:cNvPr id="18" name="Rectangle 17"/>
-          <p:cNvSpPr/>
-          <p:nvPr/>
-        </p:nvSpPr>
-        <p:spPr>
-          <a:xfrm>
-            <a:off x="96251" y="2110081"/>
-            <a:ext cx="6443579" cy="646331"/>
-          </a:xfrm>
-          <a:prstGeom prst="rect">
-            <a:avLst/>
-          </a:prstGeom>
-        </p:spPr>
-        <p:txBody>
-          <a:bodyPr wrap="square">
-            <a:spAutoFit/>
-          </a:bodyPr>
-          <a:lstStyle/>
-          <a:p>
-            <a:r>
-              <a:rPr lang="en-US" dirty="0"/>
-              <a:t>A </a:t>
-            </a:r>
-            <a:r>
-              <a:rPr lang="en-US" b="1" dirty="0"/>
-              <a:t>command handler </a:t>
-            </a:r>
-            <a:r>
-              <a:rPr lang="en-US" dirty="0"/>
-              <a:t>receives a command and </a:t>
-            </a:r>
-          </a:p>
-          <a:p>
-            <a:r>
-              <a:rPr lang="en-US" dirty="0"/>
-              <a:t>brokers a result. The result is either a successful or an exception.</a:t>
-            </a:r>
-          </a:p>
-        </p:txBody>
-      </p:sp>
-      <p:sp>
-        <p:nvSpPr>
-          <p:cNvPr id="19" name="Rectangle 18"/>
-          <p:cNvSpPr/>
-          <p:nvPr/>
-        </p:nvSpPr>
-        <p:spPr>
-          <a:xfrm>
-            <a:off x="491956" y="2686162"/>
-            <a:ext cx="6096000" cy="646331"/>
-          </a:xfrm>
-          <a:prstGeom prst="rect">
-            <a:avLst/>
-          </a:prstGeom>
-        </p:spPr>
-        <p:txBody>
-          <a:bodyPr>
-            <a:spAutoFit/>
-          </a:bodyPr>
-          <a:lstStyle/>
-          <a:p>
-            <a:r>
-              <a:rPr lang="en-US" b="1" i="0" dirty="0">
-                <a:solidFill>
-                  <a:srgbClr val="24292E"/>
-                </a:solidFill>
-                <a:effectLst/>
-              </a:rPr>
-              <a:t>Commands</a:t>
-            </a:r>
-            <a:r>
-              <a:rPr lang="en-US" b="0" i="0" dirty="0">
-                <a:solidFill>
-                  <a:srgbClr val="24292E"/>
-                </a:solidFill>
-                <a:effectLst/>
-              </a:rPr>
-              <a:t> are responsible for </a:t>
-            </a:r>
-            <a:r>
-              <a:rPr lang="en-US" b="1" i="0" dirty="0">
-                <a:solidFill>
-                  <a:srgbClr val="24292E"/>
-                </a:solidFill>
-                <a:effectLst/>
-              </a:rPr>
-              <a:t>changing</a:t>
-            </a:r>
-            <a:r>
-              <a:rPr lang="en-US" b="0" i="0" dirty="0">
-                <a:solidFill>
-                  <a:srgbClr val="24292E"/>
-                </a:solidFill>
-                <a:effectLst/>
-              </a:rPr>
-              <a:t> the </a:t>
-            </a:r>
-          </a:p>
-          <a:p>
-            <a:r>
-              <a:rPr lang="en-US" b="0" i="0" dirty="0">
-                <a:solidFill>
-                  <a:srgbClr val="24292E"/>
-                </a:solidFill>
-                <a:effectLst/>
-              </a:rPr>
-              <a:t>application state, i.e. creating, updating and deleting entities.</a:t>
-            </a:r>
-            <a:endParaRPr lang="en-US" dirty="0"/>
-          </a:p>
-        </p:txBody>
-      </p:sp>
-      <p:sp>
-        <p:nvSpPr>
-          <p:cNvPr id="20" name="Rectangle 19"/>
-          <p:cNvSpPr/>
-          <p:nvPr/>
-        </p:nvSpPr>
-        <p:spPr>
-          <a:xfrm>
-            <a:off x="213453" y="3466608"/>
-            <a:ext cx="6096000" cy="646331"/>
-          </a:xfrm>
-          <a:prstGeom prst="rect">
-            <a:avLst/>
-          </a:prstGeom>
-        </p:spPr>
-        <p:txBody>
-          <a:bodyPr>
-            <a:spAutoFit/>
-          </a:bodyPr>
-          <a:lstStyle/>
-          <a:p>
-            <a:r>
-              <a:rPr lang="en-US" b="1" i="0" dirty="0">
-                <a:solidFill>
-                  <a:srgbClr val="24292E"/>
-                </a:solidFill>
-                <a:effectLst/>
-              </a:rPr>
-              <a:t>Queries</a:t>
-            </a:r>
-            <a:r>
-              <a:rPr lang="en-US" b="0" i="0" dirty="0">
-                <a:solidFill>
-                  <a:srgbClr val="24292E"/>
-                </a:solidFill>
-                <a:effectLst/>
-              </a:rPr>
-              <a:t> are responsible for </a:t>
-            </a:r>
-            <a:r>
-              <a:rPr lang="en-US" b="1" i="0" dirty="0">
-                <a:solidFill>
-                  <a:srgbClr val="24292E"/>
-                </a:solidFill>
-                <a:effectLst/>
-              </a:rPr>
-              <a:t>reading</a:t>
-            </a:r>
-            <a:r>
-              <a:rPr lang="en-US" b="0" i="0" dirty="0">
-                <a:solidFill>
-                  <a:srgbClr val="24292E"/>
-                </a:solidFill>
-                <a:effectLst/>
-              </a:rPr>
-              <a:t> the </a:t>
-            </a:r>
-          </a:p>
-          <a:p>
-            <a:r>
-              <a:rPr lang="en-US" b="0" i="0" dirty="0">
-                <a:solidFill>
-                  <a:srgbClr val="24292E"/>
-                </a:solidFill>
-                <a:effectLst/>
-              </a:rPr>
-              <a:t>application state, e.g. to display information to the user.</a:t>
-            </a:r>
-            <a:endParaRPr lang="en-US" dirty="0"/>
-          </a:p>
-        </p:txBody>
-      </p:sp>
-      <p:sp>
-        <p:nvSpPr>
-          <p:cNvPr id="21" name="Rectangle 20"/>
-          <p:cNvSpPr/>
-          <p:nvPr/>
-        </p:nvSpPr>
-        <p:spPr>
-          <a:xfrm>
-            <a:off x="1898315" y="4247054"/>
-            <a:ext cx="4825037" cy="646331"/>
-          </a:xfrm>
-          <a:prstGeom prst="rect">
-            <a:avLst/>
-          </a:prstGeom>
-        </p:spPr>
-        <p:txBody>
-          <a:bodyPr wrap="square">
-            <a:spAutoFit/>
-          </a:bodyPr>
-          <a:lstStyle/>
-          <a:p>
-            <a:r>
-              <a:rPr lang="en-US" dirty="0"/>
-              <a:t>A </a:t>
-            </a:r>
-            <a:r>
-              <a:rPr lang="en-US" b="1" dirty="0"/>
-              <a:t>query handler </a:t>
-            </a:r>
-            <a:r>
-              <a:rPr lang="en-US" dirty="0"/>
-              <a:t>implements </a:t>
-            </a:r>
-            <a:br>
-              <a:rPr lang="en-US" dirty="0"/>
-            </a:br>
-            <a:r>
-              <a:rPr lang="en-US" dirty="0"/>
-              <a:t>the logic for the current query.</a:t>
-            </a:r>
-          </a:p>
-        </p:txBody>
-      </p:sp>
       <p:pic>
         <p:nvPicPr>
-          <p:cNvPr id="22" name="Picture 21" descr="Резултат с изображение за MEDIATR"/>
+          <p:cNvPr id="6" name="Picture 2"/>
           <p:cNvPicPr>
             <a:picLocks noChangeAspect="1" noChangeArrowheads="1"/>
           </p:cNvPicPr>
@@ -7364,204 +6691,51 @@
         </p:blipFill>
         <p:spPr bwMode="auto">
           <a:xfrm>
-            <a:off x="5345575" y="4998028"/>
-            <a:ext cx="1057898" cy="1057899"/>
+            <a:off x="1713626" y="463639"/>
+            <a:ext cx="8764747" cy="4992577"/>
           </a:xfrm>
           <a:prstGeom prst="rect">
             <a:avLst/>
           </a:prstGeom>
           <a:noFill/>
+          <a:ln>
+            <a:noFill/>
+          </a:ln>
+          <a:effectLst/>
           <a:extLst>
             <a:ext uri="{909E8E84-426E-40DD-AFC4-6F175D3DCCD1}">
               <a14:hiddenFill xmlns:a14="http://schemas.microsoft.com/office/drawing/2010/main">
                 <a:solidFill>
-                  <a:srgbClr val="FFFFFF"/>
+                  <a:schemeClr val="accent1"/>
                 </a:solidFill>
               </a14:hiddenFill>
             </a:ext>
-          </a:extLst>
-        </p:spPr>
-      </p:pic>
-      <p:sp>
-        <p:nvSpPr>
-          <p:cNvPr id="23" name="Rectangle 22"/>
-          <p:cNvSpPr/>
-          <p:nvPr/>
-        </p:nvSpPr>
-        <p:spPr>
-          <a:xfrm>
-            <a:off x="1593075" y="5532707"/>
-            <a:ext cx="6096000" cy="523220"/>
-          </a:xfrm>
-          <a:prstGeom prst="rect">
-            <a:avLst/>
-          </a:prstGeom>
-        </p:spPr>
-        <p:txBody>
-          <a:bodyPr>
-            <a:spAutoFit/>
-          </a:bodyPr>
-          <a:lstStyle/>
-          <a:p>
-            <a:pPr algn="ctr"/>
-            <a:r>
-              <a:rPr lang="en-US" sz="2800" b="1" cap="none" spc="0" dirty="0">
-                <a:ln w="12700">
-                  <a:solidFill>
-                    <a:schemeClr val="tx2">
-                      <a:lumMod val="75000"/>
-                    </a:schemeClr>
-                  </a:solidFill>
-                  <a:prstDash val="solid"/>
-                </a:ln>
-                <a:pattFill prst="dkUpDiag">
-                  <a:fgClr>
-                    <a:schemeClr val="tx2"/>
-                  </a:fgClr>
-                  <a:bgClr>
-                    <a:schemeClr val="tx2">
-                      <a:lumMod val="20000"/>
-                      <a:lumOff val="80000"/>
-                    </a:schemeClr>
-                  </a:bgClr>
-                </a:pattFill>
+            <a:ext uri="{91240B29-F687-4F45-9708-019B960494DF}">
+              <a14:hiddenLine xmlns:a14="http://schemas.microsoft.com/office/drawing/2010/main" w="9525">
+                <a:solidFill>
+                  <a:schemeClr val="tx1"/>
+                </a:solidFill>
+                <a:miter lim="800000"/>
+                <a:headEnd/>
+                <a:tailEnd/>
+              </a14:hiddenLine>
+            </a:ext>
+            <a:ext uri="{AF507438-7753-43E0-B8FC-AC1667EBCBE1}">
+              <a14:hiddenEffects xmlns:a14="http://schemas.microsoft.com/office/drawing/2010/main">
                 <a:effectLst>
-                  <a:outerShdw dist="38100" dir="2640000" algn="bl" rotWithShape="0">
-                    <a:schemeClr val="tx2">
-                      <a:lumMod val="75000"/>
-                    </a:schemeClr>
+                  <a:outerShdw dist="35921" dir="2700000" algn="ctr" rotWithShape="0">
+                    <a:schemeClr val="bg2"/>
                   </a:outerShdw>
                 </a:effectLst>
-              </a:rPr>
-              <a:t>Implemented with the               </a:t>
-            </a:r>
-            <a:r>
-              <a:rPr lang="en-US" sz="2800" b="1" cap="none" spc="0" dirty="0" err="1">
-                <a:ln w="12700">
-                  <a:solidFill>
-                    <a:schemeClr val="tx2">
-                      <a:lumMod val="75000"/>
-                    </a:schemeClr>
-                  </a:solidFill>
-                  <a:prstDash val="solid"/>
-                </a:ln>
-                <a:pattFill prst="dkUpDiag">
-                  <a:fgClr>
-                    <a:schemeClr val="tx2"/>
-                  </a:fgClr>
-                  <a:bgClr>
-                    <a:schemeClr val="tx2">
-                      <a:lumMod val="20000"/>
-                      <a:lumOff val="80000"/>
-                    </a:schemeClr>
-                  </a:bgClr>
-                </a:pattFill>
-                <a:effectLst>
-                  <a:outerShdw dist="38100" dir="2640000" algn="bl" rotWithShape="0">
-                    <a:schemeClr val="tx2">
-                      <a:lumMod val="75000"/>
-                    </a:schemeClr>
-                  </a:outerShdw>
-                </a:effectLst>
-              </a:rPr>
-              <a:t>ediatR</a:t>
-            </a:r>
-            <a:r>
-              <a:rPr lang="en-US" sz="2800" b="1" cap="none" spc="0" dirty="0">
-                <a:ln w="12700">
-                  <a:solidFill>
-                    <a:schemeClr val="tx2">
-                      <a:lumMod val="75000"/>
-                    </a:schemeClr>
-                  </a:solidFill>
-                  <a:prstDash val="solid"/>
-                </a:ln>
-                <a:pattFill prst="dkUpDiag">
-                  <a:fgClr>
-                    <a:schemeClr val="tx2"/>
-                  </a:fgClr>
-                  <a:bgClr>
-                    <a:schemeClr val="tx2">
-                      <a:lumMod val="20000"/>
-                      <a:lumOff val="80000"/>
-                    </a:schemeClr>
-                  </a:bgClr>
-                </a:pattFill>
-                <a:effectLst>
-                  <a:outerShdw dist="38100" dir="2640000" algn="bl" rotWithShape="0">
-                    <a:schemeClr val="tx2">
-                      <a:lumMod val="75000"/>
-                    </a:schemeClr>
-                  </a:outerShdw>
-                </a:effectLst>
-              </a:rPr>
-              <a:t> </a:t>
-            </a:r>
-          </a:p>
-        </p:txBody>
-      </p:sp>
-      <p:sp>
-        <p:nvSpPr>
-          <p:cNvPr id="3" name="Cloud Callout 2"/>
-          <p:cNvSpPr/>
-          <p:nvPr/>
-        </p:nvSpPr>
-        <p:spPr>
-          <a:xfrm>
-            <a:off x="10427407" y="2438400"/>
-            <a:ext cx="1577392" cy="751690"/>
-          </a:xfrm>
-          <a:prstGeom prst="cloudCallout">
-            <a:avLst>
-              <a:gd name="adj1" fmla="val -42103"/>
-              <a:gd name="adj2" fmla="val 65789"/>
-            </a:avLst>
-          </a:prstGeom>
-          <a:solidFill>
-            <a:schemeClr val="bg1">
-              <a:lumMod val="65000"/>
-            </a:schemeClr>
-          </a:solidFill>
-          <a:ln>
-            <a:solidFill>
-              <a:schemeClr val="bg1">
-                <a:lumMod val="95000"/>
-              </a:schemeClr>
-            </a:solidFill>
-          </a:ln>
-        </p:spPr>
-        <p:style>
-          <a:lnRef idx="2">
-            <a:schemeClr val="accent1">
-              <a:shade val="50000"/>
-            </a:schemeClr>
-          </a:lnRef>
-          <a:fillRef idx="1">
-            <a:schemeClr val="accent1"/>
-          </a:fillRef>
-          <a:effectRef idx="0">
-            <a:schemeClr val="accent1"/>
-          </a:effectRef>
-          <a:fontRef idx="minor">
-            <a:schemeClr val="lt1"/>
-          </a:fontRef>
-        </p:style>
-        <p:txBody>
-          <a:bodyPr rtlCol="0" anchor="ctr"/>
-          <a:lstStyle/>
-          <a:p>
-            <a:pPr algn="ctr"/>
-            <a:r>
-              <a:rPr lang="en-US" sz="1400" dirty="0"/>
-              <a:t>Fluent Command Validation</a:t>
-            </a:r>
-          </a:p>
-        </p:txBody>
-      </p:sp>
+              </a14:hiddenEffects>
+            </a:ext>
+          </a:extLst>
+        </p:spPr>
+      </p:pic>
     </p:spTree>
     <p:extLst>
       <p:ext uri="{BB962C8B-B14F-4D97-AF65-F5344CB8AC3E}">
-        <p14:creationId xmlns:p14="http://schemas.microsoft.com/office/powerpoint/2010/main" val="1208745704"/>
+        <p14:creationId xmlns:p14="http://schemas.microsoft.com/office/powerpoint/2010/main" val="1371196094"/>
       </p:ext>
     </p:extLst>
   </p:cSld>
